--- a/doc/02_SlideShare/01.ネタ/３_ReactNative基礎知識/3-1.pptx
+++ b/doc/02_SlideShare/01.ネタ/３_ReactNative基礎知識/3-1.pptx
@@ -2,17 +2,17 @@
 <file path=ppt/presentation.xml><?xml version="1.0" encoding="utf-8"?>
 <p:presentation xmlns:a="http://schemas.openxmlformats.org/drawingml/2006/main" xmlns:r="http://schemas.openxmlformats.org/officeDocument/2006/relationships" xmlns:p="http://schemas.openxmlformats.org/presentationml/2006/main">
   <p:sldMasterIdLst>
-    <p:sldMasterId id="2147483648" r:id="rId5"/>
+    <p:sldMasterId id="2147483648" r:id="rId1"/>
   </p:sldMasterIdLst>
   <p:notesMasterIdLst>
     <p:notesMasterId r:id="rId7"/>
   </p:notesMasterIdLst>
   <p:sldIdLst>
-    <p:sldId id="256" r:id="rId8"/>
-    <p:sldId id="257" r:id="rId9"/>
-    <p:sldId id="258" r:id="rId10"/>
-    <p:sldId id="259" r:id="rId11"/>
-    <p:sldId id="260" r:id="rId12"/>
+    <p:sldId id="256" r:id="rId2"/>
+    <p:sldId id="257" r:id="rId3"/>
+    <p:sldId id="258" r:id="rId4"/>
+    <p:sldId id="259" r:id="rId5"/>
+    <p:sldId id="260" r:id="rId6"/>
   </p:sldIdLst>
   <p:sldSz cx="12192000" cy="6858000"/>
   <p:notesSz cx="6858000" cy="9144000"/>
@@ -32,7 +32,7 @@
       <a:buFontTx/>
       <a:buNone/>
       <a:tabLst/>
-      <a:defRPr b="0" baseline="0" cap="none" i="0" spc="0" strike="noStrike" sz="1800" u="none" kumimoji="0" normalizeH="0">
+      <a:defRPr kumimoji="0" sz="1800" b="0" i="0" u="none" strike="noStrike" cap="none" spc="0" normalizeH="0" baseline="0">
         <a:ln>
           <a:noFill/>
         </a:ln>
@@ -58,7 +58,7 @@
       <a:buFontTx/>
       <a:buNone/>
       <a:tabLst/>
-      <a:defRPr b="0" baseline="0" cap="none" i="0" spc="0" strike="noStrike" sz="1800" u="none" kumimoji="0" normalizeH="0">
+      <a:defRPr kumimoji="0" sz="1800" b="0" i="0" u="none" strike="noStrike" cap="none" spc="0" normalizeH="0" baseline="0">
         <a:ln>
           <a:noFill/>
         </a:ln>
@@ -88,7 +88,7 @@
       <a:buFontTx/>
       <a:buNone/>
       <a:tabLst/>
-      <a:defRPr b="0" baseline="0" cap="none" i="0" spc="0" strike="noStrike" sz="1800" u="none" kumimoji="0" normalizeH="0">
+      <a:defRPr kumimoji="0" sz="1800" b="0" i="0" u="none" strike="noStrike" cap="none" spc="0" normalizeH="0" baseline="0">
         <a:ln>
           <a:noFill/>
         </a:ln>
@@ -118,7 +118,7 @@
       <a:buFontTx/>
       <a:buNone/>
       <a:tabLst/>
-      <a:defRPr b="0" baseline="0" cap="none" i="0" spc="0" strike="noStrike" sz="1800" u="none" kumimoji="0" normalizeH="0">
+      <a:defRPr kumimoji="0" sz="1800" b="0" i="0" u="none" strike="noStrike" cap="none" spc="0" normalizeH="0" baseline="0">
         <a:ln>
           <a:noFill/>
         </a:ln>
@@ -148,7 +148,7 @@
       <a:buFontTx/>
       <a:buNone/>
       <a:tabLst/>
-      <a:defRPr b="0" baseline="0" cap="none" i="0" spc="0" strike="noStrike" sz="1800" u="none" kumimoji="0" normalizeH="0">
+      <a:defRPr kumimoji="0" sz="1800" b="0" i="0" u="none" strike="noStrike" cap="none" spc="0" normalizeH="0" baseline="0">
         <a:ln>
           <a:noFill/>
         </a:ln>
@@ -178,7 +178,7 @@
       <a:buFontTx/>
       <a:buNone/>
       <a:tabLst/>
-      <a:defRPr b="0" baseline="0" cap="none" i="0" spc="0" strike="noStrike" sz="1800" u="none" kumimoji="0" normalizeH="0">
+      <a:defRPr kumimoji="0" sz="1800" b="0" i="0" u="none" strike="noStrike" cap="none" spc="0" normalizeH="0" baseline="0">
         <a:ln>
           <a:noFill/>
         </a:ln>
@@ -208,7 +208,7 @@
       <a:buFontTx/>
       <a:buNone/>
       <a:tabLst/>
-      <a:defRPr b="0" baseline="0" cap="none" i="0" spc="0" strike="noStrike" sz="1800" u="none" kumimoji="0" normalizeH="0">
+      <a:defRPr kumimoji="0" sz="1800" b="0" i="0" u="none" strike="noStrike" cap="none" spc="0" normalizeH="0" baseline="0">
         <a:ln>
           <a:noFill/>
         </a:ln>
@@ -238,7 +238,7 @@
       <a:buFontTx/>
       <a:buNone/>
       <a:tabLst/>
-      <a:defRPr b="0" baseline="0" cap="none" i="0" spc="0" strike="noStrike" sz="1800" u="none" kumimoji="0" normalizeH="0">
+      <a:defRPr kumimoji="0" sz="1800" b="0" i="0" u="none" strike="noStrike" cap="none" spc="0" normalizeH="0" baseline="0">
         <a:ln>
           <a:noFill/>
         </a:ln>
@@ -268,7 +268,7 @@
       <a:buFontTx/>
       <a:buNone/>
       <a:tabLst/>
-      <a:defRPr b="0" baseline="0" cap="none" i="0" spc="0" strike="noStrike" sz="1800" u="none" kumimoji="0" normalizeH="0">
+      <a:defRPr kumimoji="0" sz="1800" b="0" i="0" u="none" strike="noStrike" cap="none" spc="0" normalizeH="0" baseline="0">
         <a:ln>
           <a:noFill/>
         </a:ln>
@@ -298,7 +298,7 @@
       <a:buFontTx/>
       <a:buNone/>
       <a:tabLst/>
-      <a:defRPr b="0" baseline="0" cap="none" i="0" spc="0" strike="noStrike" sz="1800" u="none" kumimoji="0" normalizeH="0">
+      <a:defRPr kumimoji="0" sz="1800" b="0" i="0" u="none" strike="noStrike" cap="none" spc="0" normalizeH="0" baseline="0">
         <a:ln>
           <a:noFill/>
         </a:ln>
@@ -317,13 +317,14 @@
 </p:presentation>
 </file>
 
-<file path=ppt/commentAuthors.xml><?xml version="1.0" encoding="utf-8"?>
-<p:cmAuthorLst xmlns:a="http://schemas.openxmlformats.org/drawingml/2006/main" xmlns:r="http://schemas.openxmlformats.org/officeDocument/2006/relationships" xmlns:p="http://schemas.openxmlformats.org/presentationml/2006/main"/>
-</file>
-
 <file path=ppt/notesMasters/notesMaster1.xml><?xml version="1.0" encoding="utf-8"?>
 <p:notesMaster xmlns:a="http://schemas.openxmlformats.org/drawingml/2006/main" xmlns:r="http://schemas.openxmlformats.org/officeDocument/2006/relationships" xmlns:p="http://schemas.openxmlformats.org/presentationml/2006/main">
   <p:cSld>
+    <p:bg>
+      <p:bgRef idx="1001">
+        <a:schemeClr val="bg1"/>
+      </p:bgRef>
+    </p:bg>
     <p:spTree>
       <p:nvGrpSpPr>
         <p:cNvPr id="1" name=""/>
@@ -341,7 +342,9 @@
       <p:sp>
         <p:nvSpPr>
           <p:cNvPr id="79" name="Shape 79"/>
-          <p:cNvSpPr/>
+          <p:cNvSpPr>
+            <a:spLocks noGrp="1" noRot="1" noChangeAspect="1"/>
+          </p:cNvSpPr>
           <p:nvPr>
             <p:ph type="sldImg"/>
           </p:nvPr>
@@ -359,14 +362,16 @@
           <a:bodyPr/>
           <a:lstStyle/>
           <a:p>
-            <a:pPr/>
+            <a:endParaRPr/>
           </a:p>
         </p:txBody>
       </p:sp>
       <p:sp>
         <p:nvSpPr>
           <p:cNvPr id="80" name="Shape 80"/>
-          <p:cNvSpPr/>
+          <p:cNvSpPr>
+            <a:spLocks noGrp="1"/>
+          </p:cNvSpPr>
           <p:nvPr>
             <p:ph type="body" sz="quarter" idx="1"/>
           </p:nvPr>
@@ -384,7 +389,7 @@
           <a:bodyPr/>
           <a:lstStyle/>
           <a:p>
-            <a:pPr/>
+            <a:endParaRPr/>
           </a:p>
         </p:txBody>
       </p:sp>
@@ -469,7 +474,7 @@
 </file>
 
 <file path=ppt/slideLayouts/slideLayout1.xml><?xml version="1.0" encoding="utf-8"?>
-<p:sldLayout xmlns:a="http://schemas.openxmlformats.org/drawingml/2006/main" xmlns:r="http://schemas.openxmlformats.org/officeDocument/2006/relationships" xmlns:p="http://schemas.openxmlformats.org/presentationml/2006/main" type="tx" showMasterSp="0" showMasterPhAnim="1">
+<p:sldLayout xmlns:a="http://schemas.openxmlformats.org/drawingml/2006/main" xmlns:r="http://schemas.openxmlformats.org/officeDocument/2006/relationships" xmlns:p="http://schemas.openxmlformats.org/presentationml/2006/main" showMasterSp="0" type="tx">
   <p:cSld name="タイトル スライド">
     <p:spTree>
       <p:nvGrpSpPr>
@@ -510,7 +515,7 @@
           <a:bodyPr lIns="45719" rIns="45719"/>
           <a:lstStyle/>
           <a:p>
-            <a:pPr/>
+            <a:endParaRPr/>
           </a:p>
         </p:txBody>
       </p:sp>
@@ -572,13 +577,16 @@
           <a:lstStyle/>
           <a:p>
             <a:pPr algn="ctr"/>
+            <a:endParaRPr/>
           </a:p>
         </p:txBody>
       </p:sp>
       <p:sp>
         <p:nvSpPr>
           <p:cNvPr id="17" name="Shape 17"/>
-          <p:cNvSpPr/>
+          <p:cNvSpPr>
+            <a:spLocks noGrp="1"/>
+          </p:cNvSpPr>
           <p:nvPr>
             <p:ph type="body" sz="quarter" idx="1"/>
           </p:nvPr>
@@ -614,7 +622,6 @@
             </a:lvl5pPr>
           </a:lstStyle>
           <a:p>
-            <a:pPr/>
             <a:r>
               <a:t>本文レベル1</a:t>
             </a:r>
@@ -664,7 +671,7 @@
           </a:ln>
           <a:extLst>
             <a:ext uri="{C572A759-6A51-4108-AA02-DFA0A04FC94B}">
-              <ma14:wrappingTextBoxFlag xmlns:ma14="http://schemas.microsoft.com/office/mac/drawingml/2011/main" val="1"/>
+              <ma14:wrappingTextBoxFlag xmlns:ma14="http://schemas.microsoft.com/office/mac/drawingml/2011/main" xmlns="" val="1"/>
             </a:ext>
           </a:extLst>
         </p:spPr>
@@ -678,10 +685,7 @@
               <a:defRPr sz="3600"/>
             </a:pPr>
             <a:r>
-              <a:t>React</a:t>
-            </a:r>
-            <a:r>
-              <a:t>を用いたスマホアプリケーション開発入門</a:t>
+              <a:t>Reactを用いたスマホアプリケーション開発入門</a:t>
             </a:r>
           </a:p>
         </p:txBody>
@@ -705,7 +709,7 @@
           </a:ln>
           <a:extLst>
             <a:ext uri="{C572A759-6A51-4108-AA02-DFA0A04FC94B}">
-              <ma14:wrappingTextBoxFlag xmlns:ma14="http://schemas.microsoft.com/office/mac/drawingml/2011/main" val="1"/>
+              <ma14:wrappingTextBoxFlag xmlns:ma14="http://schemas.microsoft.com/office/mac/drawingml/2011/main" xmlns="" val="1"/>
             </a:ext>
           </a:extLst>
         </p:spPr>
@@ -719,7 +723,6 @@
             </a:lvl1pPr>
           </a:lstStyle>
           <a:p>
-            <a:pPr/>
             <a:r>
               <a:t>株式会社システムアイ</a:t>
             </a:r>
@@ -758,7 +761,9 @@
       <p:sp>
         <p:nvSpPr>
           <p:cNvPr id="21" name="Shape 21"/>
-          <p:cNvSpPr/>
+          <p:cNvSpPr>
+            <a:spLocks noGrp="1"/>
+          </p:cNvSpPr>
           <p:nvPr>
             <p:ph type="sldNum" sz="quarter" idx="2"/>
           </p:nvPr>
@@ -772,8 +777,10 @@
           <a:bodyPr/>
           <a:lstStyle/>
           <a:p>
-            <a:pPr/>
-            <a:fld id="{86CB4B4D-7CA3-9044-876B-883B54F8677D}" type="slidenum"/>
+            <a:fld id="{86CB4B4D-7CA3-9044-876B-883B54F8677D}" type="slidenum">
+              <a:t>‹#›</a:t>
+            </a:fld>
+            <a:endParaRPr/>
           </a:p>
         </p:txBody>
       </p:sp>
@@ -782,12 +789,12 @@
   <p:clrMapOvr>
     <a:masterClrMapping/>
   </p:clrMapOvr>
-  <p:transition xmlns:p14="http://schemas.microsoft.com/office/powerpoint/2010/main" spd="med" advClick="1"/>
+  <p:transition spd="med"/>
 </p:sldLayout>
 </file>
 
 <file path=ppt/slideLayouts/slideLayout2.xml><?xml version="1.0" encoding="utf-8"?>
-<p:sldLayout xmlns:a="http://schemas.openxmlformats.org/drawingml/2006/main" xmlns:r="http://schemas.openxmlformats.org/officeDocument/2006/relationships" xmlns:p="http://schemas.openxmlformats.org/presentationml/2006/main" type="tx" showMasterSp="1" showMasterPhAnim="1">
+<p:sldLayout xmlns:a="http://schemas.openxmlformats.org/drawingml/2006/main" xmlns:r="http://schemas.openxmlformats.org/officeDocument/2006/relationships" xmlns:p="http://schemas.openxmlformats.org/presentationml/2006/main" type="tx">
   <p:cSld name="タイトルとコンテンツ">
     <p:spTree>
       <p:nvGrpSpPr>
@@ -806,7 +813,9 @@
       <p:sp>
         <p:nvSpPr>
           <p:cNvPr id="28" name="Shape 28"/>
-          <p:cNvSpPr/>
+          <p:cNvSpPr>
+            <a:spLocks noGrp="1"/>
+          </p:cNvSpPr>
           <p:nvPr>
             <p:ph type="title"/>
           </p:nvPr>
@@ -820,7 +829,6 @@
           <a:bodyPr/>
           <a:lstStyle/>
           <a:p>
-            <a:pPr/>
             <a:r>
               <a:t>タイトルテキスト</a:t>
             </a:r>
@@ -830,7 +838,9 @@
       <p:sp>
         <p:nvSpPr>
           <p:cNvPr id="29" name="Shape 29"/>
-          <p:cNvSpPr/>
+          <p:cNvSpPr>
+            <a:spLocks noGrp="1"/>
+          </p:cNvSpPr>
           <p:nvPr>
             <p:ph type="body" idx="1"/>
           </p:nvPr>
@@ -844,7 +854,6 @@
           <a:bodyPr/>
           <a:lstStyle/>
           <a:p>
-            <a:pPr/>
             <a:r>
               <a:t>本文レベル1</a:t>
             </a:r>
@@ -878,7 +887,9 @@
       <p:sp>
         <p:nvSpPr>
           <p:cNvPr id="30" name="Shape 30"/>
-          <p:cNvSpPr/>
+          <p:cNvSpPr>
+            <a:spLocks noGrp="1"/>
+          </p:cNvSpPr>
           <p:nvPr>
             <p:ph type="sldNum" sz="quarter" idx="2"/>
           </p:nvPr>
@@ -892,8 +903,10 @@
           <a:bodyPr/>
           <a:lstStyle/>
           <a:p>
-            <a:pPr/>
-            <a:fld id="{86CB4B4D-7CA3-9044-876B-883B54F8677D}" type="slidenum"/>
+            <a:fld id="{86CB4B4D-7CA3-9044-876B-883B54F8677D}" type="slidenum">
+              <a:t>‹#›</a:t>
+            </a:fld>
+            <a:endParaRPr/>
           </a:p>
         </p:txBody>
       </p:sp>
@@ -902,12 +915,12 @@
   <p:clrMapOvr>
     <a:masterClrMapping/>
   </p:clrMapOvr>
-  <p:transition xmlns:p14="http://schemas.microsoft.com/office/powerpoint/2010/main" spd="med" advClick="1"/>
+  <p:transition spd="med"/>
 </p:sldLayout>
 </file>
 
 <file path=ppt/slideLayouts/slideLayout3.xml><?xml version="1.0" encoding="utf-8"?>
-<p:sldLayout xmlns:a="http://schemas.openxmlformats.org/drawingml/2006/main" xmlns:r="http://schemas.openxmlformats.org/officeDocument/2006/relationships" xmlns:p="http://schemas.openxmlformats.org/presentationml/2006/main" type="tx" showMasterSp="0" showMasterPhAnim="1">
+<p:sldLayout xmlns:a="http://schemas.openxmlformats.org/drawingml/2006/main" xmlns:r="http://schemas.openxmlformats.org/officeDocument/2006/relationships" xmlns:p="http://schemas.openxmlformats.org/presentationml/2006/main" showMasterSp="0" type="tx">
   <p:cSld name="2 つのコンテンツ">
     <p:spTree>
       <p:nvGrpSpPr>
@@ -948,7 +961,7 @@
           <a:bodyPr lIns="45719" rIns="45719"/>
           <a:lstStyle/>
           <a:p>
-            <a:pPr/>
+            <a:endParaRPr/>
           </a:p>
         </p:txBody>
       </p:sp>
@@ -984,7 +997,9 @@
       <p:sp>
         <p:nvSpPr>
           <p:cNvPr id="39" name="Shape 39"/>
-          <p:cNvSpPr/>
+          <p:cNvSpPr>
+            <a:spLocks noGrp="1"/>
+          </p:cNvSpPr>
           <p:nvPr>
             <p:ph type="title"/>
           </p:nvPr>
@@ -998,7 +1013,6 @@
           <a:bodyPr/>
           <a:lstStyle/>
           <a:p>
-            <a:pPr/>
             <a:r>
               <a:t>タイトルテキスト</a:t>
             </a:r>
@@ -1008,7 +1022,9 @@
       <p:sp>
         <p:nvSpPr>
           <p:cNvPr id="40" name="Shape 40"/>
-          <p:cNvSpPr/>
+          <p:cNvSpPr>
+            <a:spLocks noGrp="1"/>
+          </p:cNvSpPr>
           <p:nvPr>
             <p:ph type="body" sz="half" idx="1"/>
           </p:nvPr>
@@ -1026,7 +1042,6 @@
           <a:bodyPr/>
           <a:lstStyle/>
           <a:p>
-            <a:pPr/>
             <a:r>
               <a:t>本文レベル1</a:t>
             </a:r>
@@ -1060,7 +1075,9 @@
       <p:sp>
         <p:nvSpPr>
           <p:cNvPr id="41" name="Shape 41"/>
-          <p:cNvSpPr/>
+          <p:cNvSpPr>
+            <a:spLocks noGrp="1"/>
+          </p:cNvSpPr>
           <p:nvPr>
             <p:ph type="sldNum" sz="quarter" idx="2"/>
           </p:nvPr>
@@ -1074,8 +1091,10 @@
           <a:bodyPr/>
           <a:lstStyle/>
           <a:p>
-            <a:pPr/>
-            <a:fld id="{86CB4B4D-7CA3-9044-876B-883B54F8677D}" type="slidenum"/>
+            <a:fld id="{86CB4B4D-7CA3-9044-876B-883B54F8677D}" type="slidenum">
+              <a:t>‹#›</a:t>
+            </a:fld>
+            <a:endParaRPr/>
           </a:p>
         </p:txBody>
       </p:sp>
@@ -1084,12 +1103,12 @@
   <p:clrMapOvr>
     <a:masterClrMapping/>
   </p:clrMapOvr>
-  <p:transition xmlns:p14="http://schemas.microsoft.com/office/powerpoint/2010/main" spd="med" advClick="1"/>
+  <p:transition spd="med"/>
 </p:sldLayout>
 </file>
 
 <file path=ppt/slideLayouts/slideLayout4.xml><?xml version="1.0" encoding="utf-8"?>
-<p:sldLayout xmlns:a="http://schemas.openxmlformats.org/drawingml/2006/main" xmlns:r="http://schemas.openxmlformats.org/officeDocument/2006/relationships" xmlns:p="http://schemas.openxmlformats.org/presentationml/2006/main" type="tx" showMasterSp="0" showMasterPhAnim="1">
+<p:sldLayout xmlns:a="http://schemas.openxmlformats.org/drawingml/2006/main" xmlns:r="http://schemas.openxmlformats.org/officeDocument/2006/relationships" xmlns:p="http://schemas.openxmlformats.org/presentationml/2006/main" showMasterSp="0" type="tx">
   <p:cSld name="タイトルのみ">
     <p:spTree>
       <p:nvGrpSpPr>
@@ -1130,7 +1149,7 @@
           <a:bodyPr lIns="45719" rIns="45719"/>
           <a:lstStyle/>
           <a:p>
-            <a:pPr/>
+            <a:endParaRPr/>
           </a:p>
         </p:txBody>
       </p:sp>
@@ -1166,7 +1185,9 @@
       <p:sp>
         <p:nvSpPr>
           <p:cNvPr id="50" name="Shape 50"/>
-          <p:cNvSpPr/>
+          <p:cNvSpPr>
+            <a:spLocks noGrp="1"/>
+          </p:cNvSpPr>
           <p:nvPr>
             <p:ph type="title"/>
           </p:nvPr>
@@ -1180,7 +1201,6 @@
           <a:bodyPr/>
           <a:lstStyle/>
           <a:p>
-            <a:pPr/>
             <a:r>
               <a:t>タイトルテキスト</a:t>
             </a:r>
@@ -1190,7 +1210,9 @@
       <p:sp>
         <p:nvSpPr>
           <p:cNvPr id="51" name="Shape 51"/>
-          <p:cNvSpPr/>
+          <p:cNvSpPr>
+            <a:spLocks noGrp="1"/>
+          </p:cNvSpPr>
           <p:nvPr>
             <p:ph type="body" sz="quarter" idx="1"/>
           </p:nvPr>
@@ -1217,7 +1239,6 @@
           <a:bodyPr/>
           <a:lstStyle/>
           <a:p>
-            <a:pPr/>
             <a:r>
               <a:t>本文レベル1</a:t>
             </a:r>
@@ -1251,7 +1272,9 @@
       <p:sp>
         <p:nvSpPr>
           <p:cNvPr id="52" name="Shape 52"/>
-          <p:cNvSpPr/>
+          <p:cNvSpPr>
+            <a:spLocks noGrp="1"/>
+          </p:cNvSpPr>
           <p:nvPr>
             <p:ph type="sldNum" sz="quarter" idx="2"/>
           </p:nvPr>
@@ -1265,8 +1288,10 @@
           <a:bodyPr/>
           <a:lstStyle/>
           <a:p>
-            <a:pPr/>
-            <a:fld id="{86CB4B4D-7CA3-9044-876B-883B54F8677D}" type="slidenum"/>
+            <a:fld id="{86CB4B4D-7CA3-9044-876B-883B54F8677D}" type="slidenum">
+              <a:t>‹#›</a:t>
+            </a:fld>
+            <a:endParaRPr/>
           </a:p>
         </p:txBody>
       </p:sp>
@@ -1275,12 +1300,12 @@
   <p:clrMapOvr>
     <a:masterClrMapping/>
   </p:clrMapOvr>
-  <p:transition xmlns:p14="http://schemas.microsoft.com/office/powerpoint/2010/main" spd="med" advClick="1"/>
+  <p:transition spd="med"/>
 </p:sldLayout>
 </file>
 
 <file path=ppt/slideLayouts/slideLayout5.xml><?xml version="1.0" encoding="utf-8"?>
-<p:sldLayout xmlns:a="http://schemas.openxmlformats.org/drawingml/2006/main" xmlns:r="http://schemas.openxmlformats.org/officeDocument/2006/relationships" xmlns:p="http://schemas.openxmlformats.org/presentationml/2006/main" type="tx" showMasterSp="0" showMasterPhAnim="1">
+<p:sldLayout xmlns:a="http://schemas.openxmlformats.org/drawingml/2006/main" xmlns:r="http://schemas.openxmlformats.org/officeDocument/2006/relationships" xmlns:p="http://schemas.openxmlformats.org/presentationml/2006/main" showMasterSp="0" type="tx">
   <p:cSld name="1_タイトルのみ">
     <p:spTree>
       <p:nvGrpSpPr>
@@ -1321,7 +1346,7 @@
           <a:bodyPr lIns="45719" rIns="45719"/>
           <a:lstStyle/>
           <a:p>
-            <a:pPr/>
+            <a:endParaRPr/>
           </a:p>
         </p:txBody>
       </p:sp>
@@ -1357,7 +1382,9 @@
       <p:sp>
         <p:nvSpPr>
           <p:cNvPr id="61" name="Shape 61"/>
-          <p:cNvSpPr/>
+          <p:cNvSpPr>
+            <a:spLocks noGrp="1"/>
+          </p:cNvSpPr>
           <p:nvPr>
             <p:ph type="title"/>
           </p:nvPr>
@@ -1371,7 +1398,6 @@
           <a:bodyPr/>
           <a:lstStyle/>
           <a:p>
-            <a:pPr/>
             <a:r>
               <a:t>タイトルテキスト</a:t>
             </a:r>
@@ -1381,7 +1407,9 @@
       <p:sp>
         <p:nvSpPr>
           <p:cNvPr id="62" name="Shape 62"/>
-          <p:cNvSpPr/>
+          <p:cNvSpPr>
+            <a:spLocks noGrp="1"/>
+          </p:cNvSpPr>
           <p:nvPr>
             <p:ph type="body" sz="half" idx="1"/>
           </p:nvPr>
@@ -1430,7 +1458,6 @@
             </a:lvl5pPr>
           </a:lstStyle>
           <a:p>
-            <a:pPr/>
             <a:r>
               <a:t>本文レベル1</a:t>
             </a:r>
@@ -1464,7 +1491,9 @@
       <p:sp>
         <p:nvSpPr>
           <p:cNvPr id="63" name="Shape 63"/>
-          <p:cNvSpPr/>
+          <p:cNvSpPr>
+            <a:spLocks noGrp="1"/>
+          </p:cNvSpPr>
           <p:nvPr>
             <p:ph type="pic" sz="half" idx="13"/>
           </p:nvPr>
@@ -1484,14 +1513,16 @@
           </a:bodyPr>
           <a:lstStyle/>
           <a:p>
-            <a:pPr/>
+            <a:endParaRPr/>
           </a:p>
         </p:txBody>
       </p:sp>
       <p:sp>
         <p:nvSpPr>
           <p:cNvPr id="64" name="Shape 64"/>
-          <p:cNvSpPr/>
+          <p:cNvSpPr>
+            <a:spLocks noGrp="1"/>
+          </p:cNvSpPr>
           <p:nvPr>
             <p:ph type="sldNum" sz="quarter" idx="2"/>
           </p:nvPr>
@@ -1505,8 +1536,10 @@
           <a:bodyPr/>
           <a:lstStyle/>
           <a:p>
-            <a:pPr/>
-            <a:fld id="{86CB4B4D-7CA3-9044-876B-883B54F8677D}" type="slidenum"/>
+            <a:fld id="{86CB4B4D-7CA3-9044-876B-883B54F8677D}" type="slidenum">
+              <a:t>‹#›</a:t>
+            </a:fld>
+            <a:endParaRPr/>
           </a:p>
         </p:txBody>
       </p:sp>
@@ -1515,12 +1548,12 @@
   <p:clrMapOvr>
     <a:masterClrMapping/>
   </p:clrMapOvr>
-  <p:transition xmlns:p14="http://schemas.microsoft.com/office/powerpoint/2010/main" spd="med" advClick="1"/>
+  <p:transition spd="med"/>
 </p:sldLayout>
 </file>
 
 <file path=ppt/slideLayouts/slideLayout6.xml><?xml version="1.0" encoding="utf-8"?>
-<p:sldLayout xmlns:a="http://schemas.openxmlformats.org/drawingml/2006/main" xmlns:r="http://schemas.openxmlformats.org/officeDocument/2006/relationships" xmlns:p="http://schemas.openxmlformats.org/presentationml/2006/main" type="tx" showMasterSp="1" showMasterPhAnim="1">
+<p:sldLayout xmlns:a="http://schemas.openxmlformats.org/drawingml/2006/main" xmlns:r="http://schemas.openxmlformats.org/officeDocument/2006/relationships" xmlns:p="http://schemas.openxmlformats.org/presentationml/2006/main" type="tx">
   <p:cSld name="タイトルとコンテンツ">
     <p:spTree>
       <p:nvGrpSpPr>
@@ -1539,7 +1572,9 @@
       <p:sp>
         <p:nvSpPr>
           <p:cNvPr id="71" name="Shape 71"/>
-          <p:cNvSpPr/>
+          <p:cNvSpPr>
+            <a:spLocks noGrp="1"/>
+          </p:cNvSpPr>
           <p:nvPr>
             <p:ph type="title"/>
           </p:nvPr>
@@ -1553,7 +1588,6 @@
           <a:bodyPr/>
           <a:lstStyle/>
           <a:p>
-            <a:pPr/>
             <a:r>
               <a:t>タイトルテキスト</a:t>
             </a:r>
@@ -1563,7 +1597,9 @@
       <p:sp>
         <p:nvSpPr>
           <p:cNvPr id="72" name="Shape 72"/>
-          <p:cNvSpPr/>
+          <p:cNvSpPr>
+            <a:spLocks noGrp="1"/>
+          </p:cNvSpPr>
           <p:nvPr>
             <p:ph type="body" idx="1"/>
           </p:nvPr>
@@ -1577,7 +1613,6 @@
           <a:bodyPr/>
           <a:lstStyle/>
           <a:p>
-            <a:pPr/>
             <a:r>
               <a:t>本文レベル1</a:t>
             </a:r>
@@ -1611,7 +1646,9 @@
       <p:sp>
         <p:nvSpPr>
           <p:cNvPr id="73" name="Shape 73"/>
-          <p:cNvSpPr/>
+          <p:cNvSpPr>
+            <a:spLocks noGrp="1"/>
+          </p:cNvSpPr>
           <p:nvPr>
             <p:ph type="sldNum" sz="quarter" idx="2"/>
           </p:nvPr>
@@ -1625,8 +1662,10 @@
           <a:bodyPr/>
           <a:lstStyle/>
           <a:p>
-            <a:pPr/>
-            <a:fld id="{86CB4B4D-7CA3-9044-876B-883B54F8677D}" type="slidenum"/>
+            <a:fld id="{86CB4B4D-7CA3-9044-876B-883B54F8677D}" type="slidenum">
+              <a:t>‹#›</a:t>
+            </a:fld>
+            <a:endParaRPr/>
           </a:p>
         </p:txBody>
       </p:sp>
@@ -1635,7 +1674,7 @@
   <p:clrMapOvr>
     <a:masterClrMapping/>
   </p:clrMapOvr>
-  <p:transition xmlns:p14="http://schemas.microsoft.com/office/powerpoint/2010/main" spd="med" advClick="1"/>
+  <p:transition spd="med"/>
 </p:sldLayout>
 </file>
 
@@ -1647,6 +1686,7 @@
         <a:solidFill>
           <a:srgbClr val="FFFFFF"/>
         </a:solidFill>
+        <a:effectLst/>
       </p:bgPr>
     </p:bg>
     <p:spTree>
@@ -1688,7 +1728,7 @@
           <a:bodyPr lIns="45719" rIns="45719"/>
           <a:lstStyle/>
           <a:p>
-            <a:pPr/>
+            <a:endParaRPr/>
           </a:p>
         </p:txBody>
       </p:sp>
@@ -1701,7 +1741,7 @@
           <p:nvPr/>
         </p:nvPicPr>
         <p:blipFill>
-          <a:blip r:embed="rId2">
+          <a:blip r:embed="rId8">
             <a:extLst/>
           </a:blip>
           <a:stretch>
@@ -1724,7 +1764,9 @@
       <p:sp>
         <p:nvSpPr>
           <p:cNvPr id="4" name="Shape 4"/>
-          <p:cNvSpPr/>
+          <p:cNvSpPr>
+            <a:spLocks noGrp="1"/>
+          </p:cNvSpPr>
           <p:nvPr>
             <p:ph type="title"/>
           </p:nvPr>
@@ -1742,17 +1784,16 @@
           </a:ln>
           <a:extLst>
             <a:ext uri="{C572A759-6A51-4108-AA02-DFA0A04FC94B}">
-              <ma14:wrappingTextBoxFlag xmlns:ma14="http://schemas.microsoft.com/office/mac/drawingml/2011/main" val="1"/>
+              <ma14:wrappingTextBoxFlag xmlns:ma14="http://schemas.microsoft.com/office/mac/drawingml/2011/main" xmlns="" val="1"/>
             </a:ext>
           </a:extLst>
         </p:spPr>
         <p:txBody>
           <a:bodyPr lIns="45719" rIns="45719" anchor="ctr">
-            <a:normAutofit fontScale="100000" lnSpcReduction="0"/>
+            <a:normAutofit/>
           </a:bodyPr>
           <a:lstStyle/>
           <a:p>
-            <a:pPr/>
             <a:r>
               <a:t>タイトルテキスト</a:t>
             </a:r>
@@ -1762,7 +1803,9 @@
       <p:sp>
         <p:nvSpPr>
           <p:cNvPr id="5" name="Shape 5"/>
-          <p:cNvSpPr/>
+          <p:cNvSpPr>
+            <a:spLocks noGrp="1"/>
+          </p:cNvSpPr>
           <p:nvPr>
             <p:ph type="body" idx="1"/>
           </p:nvPr>
@@ -1780,17 +1823,16 @@
           </a:ln>
           <a:extLst>
             <a:ext uri="{C572A759-6A51-4108-AA02-DFA0A04FC94B}">
-              <ma14:wrappingTextBoxFlag xmlns:ma14="http://schemas.microsoft.com/office/mac/drawingml/2011/main" val="1"/>
+              <ma14:wrappingTextBoxFlag xmlns:ma14="http://schemas.microsoft.com/office/mac/drawingml/2011/main" xmlns="" val="1"/>
             </a:ext>
           </a:extLst>
         </p:spPr>
         <p:txBody>
           <a:bodyPr lIns="45719" rIns="45719">
-            <a:normAutofit fontScale="100000" lnSpcReduction="0"/>
+            <a:normAutofit/>
           </a:bodyPr>
           <a:lstStyle/>
           <a:p>
-            <a:pPr/>
             <a:r>
               <a:t>本文レベル1</a:t>
             </a:r>
@@ -1846,14 +1888,16 @@
           <a:bodyPr lIns="45719" rIns="45719"/>
           <a:lstStyle/>
           <a:p>
-            <a:pPr/>
+            <a:endParaRPr/>
           </a:p>
         </p:txBody>
       </p:sp>
       <p:sp>
         <p:nvSpPr>
           <p:cNvPr id="7" name="Shape 7"/>
-          <p:cNvSpPr/>
+          <p:cNvSpPr>
+            <a:spLocks noGrp="1"/>
+          </p:cNvSpPr>
           <p:nvPr>
             <p:ph type="sldNum" sz="quarter" idx="2"/>
           </p:nvPr>
@@ -1884,8 +1928,10 @@
             </a:lvl1pPr>
           </a:lstStyle>
           <a:p>
-            <a:pPr/>
-            <a:fld id="{86CB4B4D-7CA3-9044-876B-883B54F8677D}" type="slidenum"/>
+            <a:fld id="{86CB4B4D-7CA3-9044-876B-883B54F8677D}" type="slidenum">
+              <a:t>‹#›</a:t>
+            </a:fld>
+            <a:endParaRPr/>
           </a:p>
         </p:txBody>
       </p:sp>
@@ -1893,14 +1939,14 @@
   </p:cSld>
   <p:clrMap bg1="lt1" tx1="dk1" bg2="lt2" tx2="dk2" accent1="accent1" accent2="accent2" accent3="accent3" accent4="accent4" accent5="accent5" accent6="accent6" hlink="hlink" folHlink="folHlink"/>
   <p:sldLayoutIdLst>
-    <p:sldLayoutId id="2147483649" r:id="rId3"/>
-    <p:sldLayoutId id="2147483650" r:id="rId4"/>
-    <p:sldLayoutId id="2147483651" r:id="rId5"/>
-    <p:sldLayoutId id="2147483652" r:id="rId6"/>
-    <p:sldLayoutId id="2147483653" r:id="rId7"/>
-    <p:sldLayoutId id="2147483654" r:id="rId8"/>
+    <p:sldLayoutId id="2147483649" r:id="rId1"/>
+    <p:sldLayoutId id="2147483650" r:id="rId2"/>
+    <p:sldLayoutId id="2147483651" r:id="rId3"/>
+    <p:sldLayoutId id="2147483652" r:id="rId4"/>
+    <p:sldLayoutId id="2147483653" r:id="rId5"/>
+    <p:sldLayoutId id="2147483654" r:id="rId6"/>
   </p:sldLayoutIdLst>
-  <p:transition xmlns:p14="http://schemas.microsoft.com/office/powerpoint/2010/main" spd="med" advClick="1"/>
+  <p:transition spd="med"/>
   <p:txStyles>
     <p:titleStyle>
       <a:lvl1pPr marL="0" marR="0" indent="0" algn="l" defTabSz="914400" rtl="0" latinLnBrk="0">
@@ -1918,7 +1964,7 @@
         <a:buFontTx/>
         <a:buNone/>
         <a:tabLst/>
-        <a:defRPr b="0" baseline="0" cap="none" i="0" spc="0" strike="noStrike" sz="2400" u="none">
+        <a:defRPr sz="2400" b="0" i="0" u="none" strike="noStrike" cap="none" spc="0" baseline="0">
           <a:ln>
             <a:noFill/>
           </a:ln>
@@ -1947,7 +1993,7 @@
         <a:buFontTx/>
         <a:buNone/>
         <a:tabLst/>
-        <a:defRPr b="0" baseline="0" cap="none" i="0" spc="0" strike="noStrike" sz="2400" u="none">
+        <a:defRPr sz="2400" b="0" i="0" u="none" strike="noStrike" cap="none" spc="0" baseline="0">
           <a:ln>
             <a:noFill/>
           </a:ln>
@@ -1976,7 +2022,7 @@
         <a:buFontTx/>
         <a:buNone/>
         <a:tabLst/>
-        <a:defRPr b="0" baseline="0" cap="none" i="0" spc="0" strike="noStrike" sz="2400" u="none">
+        <a:defRPr sz="2400" b="0" i="0" u="none" strike="noStrike" cap="none" spc="0" baseline="0">
           <a:ln>
             <a:noFill/>
           </a:ln>
@@ -2005,7 +2051,7 @@
         <a:buFontTx/>
         <a:buNone/>
         <a:tabLst/>
-        <a:defRPr b="0" baseline="0" cap="none" i="0" spc="0" strike="noStrike" sz="2400" u="none">
+        <a:defRPr sz="2400" b="0" i="0" u="none" strike="noStrike" cap="none" spc="0" baseline="0">
           <a:ln>
             <a:noFill/>
           </a:ln>
@@ -2034,7 +2080,7 @@
         <a:buFontTx/>
         <a:buNone/>
         <a:tabLst/>
-        <a:defRPr b="0" baseline="0" cap="none" i="0" spc="0" strike="noStrike" sz="2400" u="none">
+        <a:defRPr sz="2400" b="0" i="0" u="none" strike="noStrike" cap="none" spc="0" baseline="0">
           <a:ln>
             <a:noFill/>
           </a:ln>
@@ -2063,7 +2109,7 @@
         <a:buFontTx/>
         <a:buNone/>
         <a:tabLst/>
-        <a:defRPr b="0" baseline="0" cap="none" i="0" spc="0" strike="noStrike" sz="2400" u="none">
+        <a:defRPr sz="2400" b="0" i="0" u="none" strike="noStrike" cap="none" spc="0" baseline="0">
           <a:ln>
             <a:noFill/>
           </a:ln>
@@ -2092,7 +2138,7 @@
         <a:buFontTx/>
         <a:buNone/>
         <a:tabLst/>
-        <a:defRPr b="0" baseline="0" cap="none" i="0" spc="0" strike="noStrike" sz="2400" u="none">
+        <a:defRPr sz="2400" b="0" i="0" u="none" strike="noStrike" cap="none" spc="0" baseline="0">
           <a:ln>
             <a:noFill/>
           </a:ln>
@@ -2121,7 +2167,7 @@
         <a:buFontTx/>
         <a:buNone/>
         <a:tabLst/>
-        <a:defRPr b="0" baseline="0" cap="none" i="0" spc="0" strike="noStrike" sz="2400" u="none">
+        <a:defRPr sz="2400" b="0" i="0" u="none" strike="noStrike" cap="none" spc="0" baseline="0">
           <a:ln>
             <a:noFill/>
           </a:ln>
@@ -2150,7 +2196,7 @@
         <a:buFontTx/>
         <a:buNone/>
         <a:tabLst/>
-        <a:defRPr b="0" baseline="0" cap="none" i="0" spc="0" strike="noStrike" sz="2400" u="none">
+        <a:defRPr sz="2400" b="0" i="0" u="none" strike="noStrike" cap="none" spc="0" baseline="0">
           <a:ln>
             <a:noFill/>
           </a:ln>
@@ -2181,7 +2227,7 @@
         <a:buFont typeface="Arial"/>
         <a:buChar char="•"/>
         <a:tabLst/>
-        <a:defRPr b="0" baseline="0" cap="none" i="0" spc="0" strike="noStrike" sz="2000" u="none">
+        <a:defRPr sz="2000" b="0" i="0" u="none" strike="noStrike" cap="none" spc="0" baseline="0">
           <a:ln>
             <a:noFill/>
           </a:ln>
@@ -2210,7 +2256,7 @@
         <a:buFont typeface="Arial"/>
         <a:buChar char="•"/>
         <a:tabLst/>
-        <a:defRPr b="0" baseline="0" cap="none" i="0" spc="0" strike="noStrike" sz="2000" u="none">
+        <a:defRPr sz="2000" b="0" i="0" u="none" strike="noStrike" cap="none" spc="0" baseline="0">
           <a:ln>
             <a:noFill/>
           </a:ln>
@@ -2239,7 +2285,7 @@
         <a:buFont typeface="Arial"/>
         <a:buChar char="•"/>
         <a:tabLst/>
-        <a:defRPr b="0" baseline="0" cap="none" i="0" spc="0" strike="noStrike" sz="2000" u="none">
+        <a:defRPr sz="2000" b="0" i="0" u="none" strike="noStrike" cap="none" spc="0" baseline="0">
           <a:ln>
             <a:noFill/>
           </a:ln>
@@ -2268,7 +2314,7 @@
         <a:buFont typeface="Arial"/>
         <a:buChar char="•"/>
         <a:tabLst/>
-        <a:defRPr b="0" baseline="0" cap="none" i="0" spc="0" strike="noStrike" sz="2000" u="none">
+        <a:defRPr sz="2000" b="0" i="0" u="none" strike="noStrike" cap="none" spc="0" baseline="0">
           <a:ln>
             <a:noFill/>
           </a:ln>
@@ -2297,7 +2343,7 @@
         <a:buFont typeface="Arial"/>
         <a:buChar char="•"/>
         <a:tabLst/>
-        <a:defRPr b="0" baseline="0" cap="none" i="0" spc="0" strike="noStrike" sz="2000" u="none">
+        <a:defRPr sz="2000" b="0" i="0" u="none" strike="noStrike" cap="none" spc="0" baseline="0">
           <a:ln>
             <a:noFill/>
           </a:ln>
@@ -2326,7 +2372,7 @@
         <a:buFont typeface="Arial"/>
         <a:buChar char="•"/>
         <a:tabLst/>
-        <a:defRPr b="0" baseline="0" cap="none" i="0" spc="0" strike="noStrike" sz="2000" u="none">
+        <a:defRPr sz="2000" b="0" i="0" u="none" strike="noStrike" cap="none" spc="0" baseline="0">
           <a:ln>
             <a:noFill/>
           </a:ln>
@@ -2355,7 +2401,7 @@
         <a:buFont typeface="Arial"/>
         <a:buChar char="•"/>
         <a:tabLst/>
-        <a:defRPr b="0" baseline="0" cap="none" i="0" spc="0" strike="noStrike" sz="2000" u="none">
+        <a:defRPr sz="2000" b="0" i="0" u="none" strike="noStrike" cap="none" spc="0" baseline="0">
           <a:ln>
             <a:noFill/>
           </a:ln>
@@ -2384,7 +2430,7 @@
         <a:buFont typeface="Arial"/>
         <a:buChar char="•"/>
         <a:tabLst/>
-        <a:defRPr b="0" baseline="0" cap="none" i="0" spc="0" strike="noStrike" sz="2000" u="none">
+        <a:defRPr sz="2000" b="0" i="0" u="none" strike="noStrike" cap="none" spc="0" baseline="0">
           <a:ln>
             <a:noFill/>
           </a:ln>
@@ -2413,7 +2459,7 @@
         <a:buFont typeface="Arial"/>
         <a:buChar char="•"/>
         <a:tabLst/>
-        <a:defRPr b="0" baseline="0" cap="none" i="0" spc="0" strike="noStrike" sz="2000" u="none">
+        <a:defRPr sz="2000" b="0" i="0" u="none" strike="noStrike" cap="none" spc="0" baseline="0">
           <a:ln>
             <a:noFill/>
           </a:ln>
@@ -2444,7 +2490,7 @@
         <a:buFontTx/>
         <a:buNone/>
         <a:tabLst/>
-        <a:defRPr b="0" baseline="0" cap="none" i="0" spc="0" strike="noStrike" sz="1200" u="none">
+        <a:defRPr sz="1200" b="0" i="0" u="none" strike="noStrike" cap="none" spc="0" baseline="0">
           <a:ln>
             <a:noFill/>
           </a:ln>
@@ -2473,7 +2519,7 @@
         <a:buFontTx/>
         <a:buNone/>
         <a:tabLst/>
-        <a:defRPr b="0" baseline="0" cap="none" i="0" spc="0" strike="noStrike" sz="1200" u="none">
+        <a:defRPr sz="1200" b="0" i="0" u="none" strike="noStrike" cap="none" spc="0" baseline="0">
           <a:ln>
             <a:noFill/>
           </a:ln>
@@ -2502,7 +2548,7 @@
         <a:buFontTx/>
         <a:buNone/>
         <a:tabLst/>
-        <a:defRPr b="0" baseline="0" cap="none" i="0" spc="0" strike="noStrike" sz="1200" u="none">
+        <a:defRPr sz="1200" b="0" i="0" u="none" strike="noStrike" cap="none" spc="0" baseline="0">
           <a:ln>
             <a:noFill/>
           </a:ln>
@@ -2531,7 +2577,7 @@
         <a:buFontTx/>
         <a:buNone/>
         <a:tabLst/>
-        <a:defRPr b="0" baseline="0" cap="none" i="0" spc="0" strike="noStrike" sz="1200" u="none">
+        <a:defRPr sz="1200" b="0" i="0" u="none" strike="noStrike" cap="none" spc="0" baseline="0">
           <a:ln>
             <a:noFill/>
           </a:ln>
@@ -2560,7 +2606,7 @@
         <a:buFontTx/>
         <a:buNone/>
         <a:tabLst/>
-        <a:defRPr b="0" baseline="0" cap="none" i="0" spc="0" strike="noStrike" sz="1200" u="none">
+        <a:defRPr sz="1200" b="0" i="0" u="none" strike="noStrike" cap="none" spc="0" baseline="0">
           <a:ln>
             <a:noFill/>
           </a:ln>
@@ -2589,7 +2635,7 @@
         <a:buFontTx/>
         <a:buNone/>
         <a:tabLst/>
-        <a:defRPr b="0" baseline="0" cap="none" i="0" spc="0" strike="noStrike" sz="1200" u="none">
+        <a:defRPr sz="1200" b="0" i="0" u="none" strike="noStrike" cap="none" spc="0" baseline="0">
           <a:ln>
             <a:noFill/>
           </a:ln>
@@ -2618,7 +2664,7 @@
         <a:buFontTx/>
         <a:buNone/>
         <a:tabLst/>
-        <a:defRPr b="0" baseline="0" cap="none" i="0" spc="0" strike="noStrike" sz="1200" u="none">
+        <a:defRPr sz="1200" b="0" i="0" u="none" strike="noStrike" cap="none" spc="0" baseline="0">
           <a:ln>
             <a:noFill/>
           </a:ln>
@@ -2647,7 +2693,7 @@
         <a:buFontTx/>
         <a:buNone/>
         <a:tabLst/>
-        <a:defRPr b="0" baseline="0" cap="none" i="0" spc="0" strike="noStrike" sz="1200" u="none">
+        <a:defRPr sz="1200" b="0" i="0" u="none" strike="noStrike" cap="none" spc="0" baseline="0">
           <a:ln>
             <a:noFill/>
           </a:ln>
@@ -2676,7 +2722,7 @@
         <a:buFontTx/>
         <a:buNone/>
         <a:tabLst/>
-        <a:defRPr b="0" baseline="0" cap="none" i="0" spc="0" strike="noStrike" sz="1200" u="none">
+        <a:defRPr sz="1200" b="0" i="0" u="none" strike="noStrike" cap="none" spc="0" baseline="0">
           <a:ln>
             <a:noFill/>
           </a:ln>
@@ -2696,7 +2742,7 @@
 </file>
 
 <file path=ppt/slides/slide1.xml><?xml version="1.0" encoding="utf-8"?>
-<p:sld xmlns:a="http://schemas.openxmlformats.org/drawingml/2006/main" xmlns:r="http://schemas.openxmlformats.org/officeDocument/2006/relationships" xmlns:p="http://schemas.openxmlformats.org/presentationml/2006/main" showMasterSp="1" showMasterPhAnim="1">
+<p:sld xmlns:a="http://schemas.openxmlformats.org/drawingml/2006/main" xmlns:r="http://schemas.openxmlformats.org/officeDocument/2006/relationships" xmlns:p="http://schemas.openxmlformats.org/presentationml/2006/main">
   <p:cSld>
     <p:spTree>
       <p:nvGrpSpPr>
@@ -2721,7 +2767,7 @@
         <p:spPr>
           <a:xfrm>
             <a:off x="419100" y="3415337"/>
-            <a:ext cx="5257800" cy="3275678"/>
+            <a:ext cx="5383464" cy="3275678"/>
           </a:xfrm>
           <a:prstGeom prst="rect">
             <a:avLst/>
@@ -2740,14 +2786,16 @@
           <a:bodyPr lIns="45719" rIns="45719" anchor="ctr"/>
           <a:lstStyle/>
           <a:p>
-            <a:pPr/>
+            <a:endParaRPr/>
           </a:p>
         </p:txBody>
       </p:sp>
       <p:sp>
         <p:nvSpPr>
           <p:cNvPr id="83" name="Shape 83"/>
-          <p:cNvSpPr/>
+          <p:cNvSpPr>
+            <a:spLocks noGrp="1"/>
+          </p:cNvSpPr>
           <p:nvPr>
             <p:ph type="title"/>
           </p:nvPr>
@@ -2772,16 +2820,7 @@
               <a:defRPr sz="2200"/>
             </a:pPr>
             <a:r>
-              <a:t>3-1</a:t>
-            </a:r>
-            <a:r>
-              <a:t>．</a:t>
-            </a:r>
-            <a:r>
-              <a:t>React Native</a:t>
-            </a:r>
-            <a:r>
-              <a:t>の基礎知識 ～コンポーネント編～</a:t>
+              <a:t>3-1．React Nativeの基礎知識 ～コンポーネント編～</a:t>
             </a:r>
           </a:p>
         </p:txBody>
@@ -2789,7 +2828,9 @@
       <p:sp>
         <p:nvSpPr>
           <p:cNvPr id="84" name="Shape 84"/>
-          <p:cNvSpPr/>
+          <p:cNvSpPr>
+            <a:spLocks noGrp="1"/>
+          </p:cNvSpPr>
           <p:nvPr>
             <p:ph type="body" sz="quarter" idx="1"/>
           </p:nvPr>
@@ -2880,7 +2921,7 @@
           </a:ln>
           <a:extLst>
             <a:ext uri="{C572A759-6A51-4108-AA02-DFA0A04FC94B}">
-              <ma14:wrappingTextBoxFlag xmlns:ma14="http://schemas.microsoft.com/office/mac/drawingml/2011/main" val="1"/>
+              <ma14:wrappingTextBoxFlag xmlns:ma14="http://schemas.microsoft.com/office/mac/drawingml/2011/main" xmlns="" val="1"/>
             </a:ext>
           </a:extLst>
         </p:spPr>
@@ -2899,7 +2940,6 @@
             </a:lvl1pPr>
           </a:lstStyle>
           <a:p>
-            <a:pPr/>
             <a:r>
               <a:t>コンポーネントの定義</a:t>
             </a:r>
@@ -2925,7 +2965,7 @@
           </a:ln>
           <a:extLst>
             <a:ext uri="{C572A759-6A51-4108-AA02-DFA0A04FC94B}">
-              <ma14:wrappingTextBoxFlag xmlns:ma14="http://schemas.microsoft.com/office/mac/drawingml/2011/main" val="1"/>
+              <ma14:wrappingTextBoxFlag xmlns:ma14="http://schemas.microsoft.com/office/mac/drawingml/2011/main" xmlns="" val="1"/>
             </a:ext>
           </a:extLst>
         </p:spPr>
@@ -2935,41 +2975,49 @@
           </a:bodyPr>
           <a:lstStyle/>
           <a:p>
-            <a:pPr/>
-            <a:r>
+            <a:r>
+              <a:rPr dirty="0"/>
               <a:t>import React from 'react'</a:t>
             </a:r>
           </a:p>
           <a:p>
-            <a:pPr/>
-          </a:p>
-          <a:p>
-            <a:pPr/>
-            <a:r>
-              <a:t>export class App extends React.Component {</a:t>
-            </a:r>
-          </a:p>
-          <a:p>
-            <a:pPr/>
-            <a:r>
+            <a:endParaRPr dirty="0"/>
+          </a:p>
+          <a:p>
+            <a:r>
+              <a:rPr dirty="0"/>
+              <a:t>export class App extends </a:t>
+            </a:r>
+            <a:r>
+              <a:rPr dirty="0" err="1"/>
+              <a:t>React.Component</a:t>
+            </a:r>
+            <a:r>
+              <a:rPr dirty="0"/>
+              <a:t> {</a:t>
+            </a:r>
+          </a:p>
+          <a:p>
+            <a:r>
+              <a:rPr dirty="0"/>
               <a:t>  render() {</a:t>
             </a:r>
           </a:p>
           <a:p>
-            <a:pPr/>
-            <a:r>
+            <a:r>
+              <a:rPr dirty="0"/>
               <a:t>    &lt;div&gt;App&lt;/div&gt;</a:t>
             </a:r>
           </a:p>
           <a:p>
-            <a:pPr/>
-            <a:r>
+            <a:r>
+              <a:rPr dirty="0"/>
               <a:t>  }</a:t>
             </a:r>
           </a:p>
           <a:p>
-            <a:pPr/>
-            <a:r>
+            <a:r>
+              <a:rPr dirty="0"/>
               <a:t>}</a:t>
             </a:r>
           </a:p>
@@ -2983,7 +3031,7 @@
         </p:nvSpPr>
         <p:spPr>
           <a:xfrm>
-            <a:off x="410785" y="3415337"/>
+            <a:off x="423485" y="3415337"/>
             <a:ext cx="951709" cy="387351"/>
           </a:xfrm>
           <a:prstGeom prst="rect">
@@ -3000,13 +3048,13 @@
           </a:ln>
           <a:extLst>
             <a:ext uri="{C572A759-6A51-4108-AA02-DFA0A04FC94B}">
-              <ma14:wrappingTextBoxFlag xmlns:ma14="http://schemas.microsoft.com/office/mac/drawingml/2011/main" val="1"/>
+              <ma14:wrappingTextBoxFlag xmlns:ma14="http://schemas.microsoft.com/office/mac/drawingml/2011/main" xmlns="" val="1"/>
             </a:ext>
           </a:extLst>
         </p:spPr>
         <p:txBody>
           <a:bodyPr lIns="45719" rIns="45719">
-            <a:normAutofit fontScale="100000" lnSpcReduction="0"/>
+            <a:normAutofit lnSpcReduction="10000"/>
           </a:bodyPr>
           <a:lstStyle>
             <a:lvl1pPr defTabSz="584200">
@@ -3019,7 +3067,6 @@
             </a:lvl1pPr>
           </a:lstStyle>
           <a:p>
-            <a:pPr/>
             <a:r>
               <a:t>React</a:t>
             </a:r>
@@ -3035,7 +3082,7 @@
         <p:spPr>
           <a:xfrm>
             <a:off x="5981700" y="3407409"/>
-            <a:ext cx="5828520" cy="3275679"/>
+            <a:ext cx="6019800" cy="3275679"/>
           </a:xfrm>
           <a:prstGeom prst="rect">
             <a:avLst/>
@@ -3054,7 +3101,7 @@
           <a:bodyPr lIns="45719" rIns="45719" anchor="ctr"/>
           <a:lstStyle/>
           <a:p>
-            <a:pPr/>
+            <a:endParaRPr/>
           </a:p>
         </p:txBody>
       </p:sp>
@@ -3066,7 +3113,7 @@
         </p:nvSpPr>
         <p:spPr>
           <a:xfrm>
-            <a:off x="6233016" y="3756352"/>
+            <a:off x="6098696" y="3837325"/>
             <a:ext cx="5214712" cy="2885441"/>
           </a:xfrm>
           <a:prstGeom prst="rect">
@@ -3077,7 +3124,7 @@
           </a:ln>
           <a:extLst>
             <a:ext uri="{C572A759-6A51-4108-AA02-DFA0A04FC94B}">
-              <ma14:wrappingTextBoxFlag xmlns:ma14="http://schemas.microsoft.com/office/mac/drawingml/2011/main" val="1"/>
+              <ma14:wrappingTextBoxFlag xmlns:ma14="http://schemas.microsoft.com/office/mac/drawingml/2011/main" xmlns="" val="1"/>
             </a:ext>
           </a:extLst>
         </p:spPr>
@@ -3087,59 +3134,75 @@
           </a:bodyPr>
           <a:lstStyle/>
           <a:p>
-            <a:pPr/>
-            <a:r>
+            <a:r>
+              <a:rPr dirty="0"/>
               <a:t>import React from 'react'</a:t>
             </a:r>
           </a:p>
           <a:p>
-            <a:pPr/>
-            <a:r>
-              <a:t>import { View Text, StyleSheet } from 'react-native'</a:t>
-            </a:r>
-          </a:p>
-          <a:p>
-            <a:pPr/>
-          </a:p>
-          <a:p>
-            <a:pPr/>
-            <a:r>
-              <a:t>export class App extends React.Component {</a:t>
-            </a:r>
-          </a:p>
-          <a:p>
-            <a:pPr/>
-            <a:r>
+            <a:r>
+              <a:rPr dirty="0"/>
+              <a:t>import { View Text, </a:t>
+            </a:r>
+            <a:r>
+              <a:rPr dirty="0" err="1"/>
+              <a:t>StyleSheet</a:t>
+            </a:r>
+            <a:r>
+              <a:rPr dirty="0"/>
+              <a:t> } from 'react-native'</a:t>
+            </a:r>
+          </a:p>
+          <a:p>
+            <a:endParaRPr dirty="0"/>
+          </a:p>
+          <a:p>
+            <a:r>
+              <a:rPr dirty="0"/>
+              <a:t>export class App extends </a:t>
+            </a:r>
+            <a:r>
+              <a:rPr dirty="0" err="1"/>
+              <a:t>React.Component</a:t>
+            </a:r>
+            <a:r>
+              <a:rPr dirty="0"/>
+              <a:t> {</a:t>
+            </a:r>
+          </a:p>
+          <a:p>
+            <a:r>
+              <a:rPr dirty="0"/>
               <a:t>  render() {</a:t>
             </a:r>
           </a:p>
           <a:p>
-            <a:pPr/>
-            <a:r>
+            <a:r>
+              <a:rPr dirty="0"/>
               <a:t>    &lt;View&gt;</a:t>
             </a:r>
           </a:p>
           <a:p>
-            <a:pPr/>
-            <a:r>
+            <a:r>
+              <a:rPr dirty="0"/>
               <a:t>      &lt;Text&gt;App&lt;/Text&gt;</a:t>
             </a:r>
           </a:p>
           <a:p>
-            <a:pPr/>
-            <a:r>
+            <a:r>
+              <a:rPr dirty="0"/>
               <a:t>    &lt;/View&gt;</a:t>
             </a:r>
           </a:p>
           <a:p>
-            <a:pPr/>
-            <a:r>
+            <a:r>
+              <a:rPr dirty="0"/>
               <a:t>  }</a:t>
             </a:r>
           </a:p>
           <a:p>
-            <a:pPr/>
-            <a:r>
+            <a:r>
+              <a:rPr dirty="0"/>
               <a:t>}</a:t>
             </a:r>
           </a:p>
@@ -3153,7 +3216,7 @@
         </p:nvSpPr>
         <p:spPr>
           <a:xfrm>
-            <a:off x="5973385" y="3407409"/>
+            <a:off x="5986085" y="3407409"/>
             <a:ext cx="1579913" cy="387351"/>
           </a:xfrm>
           <a:prstGeom prst="rect">
@@ -3170,13 +3233,13 @@
           </a:ln>
           <a:extLst>
             <a:ext uri="{C572A759-6A51-4108-AA02-DFA0A04FC94B}">
-              <ma14:wrappingTextBoxFlag xmlns:ma14="http://schemas.microsoft.com/office/mac/drawingml/2011/main" val="1"/>
+              <ma14:wrappingTextBoxFlag xmlns:ma14="http://schemas.microsoft.com/office/mac/drawingml/2011/main" xmlns="" val="1"/>
             </a:ext>
           </a:extLst>
         </p:spPr>
         <p:txBody>
           <a:bodyPr lIns="45719" rIns="45719">
-            <a:normAutofit fontScale="100000" lnSpcReduction="0"/>
+            <a:normAutofit/>
           </a:bodyPr>
           <a:lstStyle>
             <a:lvl1pPr defTabSz="531622">
@@ -3189,7 +3252,6 @@
             </a:lvl1pPr>
           </a:lstStyle>
           <a:p>
-            <a:pPr/>
             <a:r>
               <a:t>React Native</a:t>
             </a:r>
@@ -3218,7 +3280,7 @@
           </a:ln>
           <a:extLst>
             <a:ext uri="{C572A759-6A51-4108-AA02-DFA0A04FC94B}">
-              <ma14:wrappingTextBoxFlag xmlns:ma14="http://schemas.microsoft.com/office/mac/drawingml/2011/main" val="1"/>
+              <ma14:wrappingTextBoxFlag xmlns:ma14="http://schemas.microsoft.com/office/mac/drawingml/2011/main" xmlns="" val="1"/>
             </a:ext>
           </a:extLst>
         </p:spPr>
@@ -3236,7 +3298,6 @@
             </a:lvl1pPr>
           </a:lstStyle>
           <a:p>
-            <a:pPr/>
             <a:r>
               <a:t>HTMLエレメント</a:t>
             </a:r>
@@ -3265,7 +3326,7 @@
           </a:ln>
           <a:extLst>
             <a:ext uri="{C572A759-6A51-4108-AA02-DFA0A04FC94B}">
-              <ma14:wrappingTextBoxFlag xmlns:ma14="http://schemas.microsoft.com/office/mac/drawingml/2011/main" val="1"/>
+              <ma14:wrappingTextBoxFlag xmlns:ma14="http://schemas.microsoft.com/office/mac/drawingml/2011/main" xmlns="" val="1"/>
             </a:ext>
           </a:extLst>
         </p:spPr>
@@ -3283,7 +3344,6 @@
             </a:lvl1pPr>
           </a:lstStyle>
           <a:p>
-            <a:pPr/>
             <a:r>
               <a:t>ReactNative用のUIコンポーネント</a:t>
             </a:r>
@@ -3298,8 +3358,8 @@
         </p:nvSpPr>
         <p:spPr>
           <a:xfrm>
-            <a:off x="901700" y="4965700"/>
-            <a:ext cx="1876286" cy="523875"/>
+            <a:off x="1016000" y="5011017"/>
+            <a:ext cx="2044700" cy="338857"/>
           </a:xfrm>
           <a:prstGeom prst="rect">
             <a:avLst/>
@@ -3315,7 +3375,7 @@
           <a:bodyPr lIns="45719" rIns="45719" anchor="ctr"/>
           <a:lstStyle/>
           <a:p>
-            <a:pPr/>
+            <a:endParaRPr/>
           </a:p>
         </p:txBody>
       </p:sp>
@@ -3328,7 +3388,7 @@
         <p:spPr>
           <a:xfrm>
             <a:off x="6477000" y="5207000"/>
-            <a:ext cx="2249894" cy="832843"/>
+            <a:ext cx="2374900" cy="832843"/>
           </a:xfrm>
           <a:prstGeom prst="rect">
             <a:avLst/>
@@ -3344,7 +3404,7 @@
           <a:bodyPr lIns="45719" rIns="45719" anchor="ctr"/>
           <a:lstStyle/>
           <a:p>
-            <a:pPr/>
+            <a:endParaRPr/>
           </a:p>
         </p:txBody>
       </p:sp>
@@ -3367,7 +3427,7 @@
           </a:ln>
           <a:extLst>
             <a:ext uri="{C572A759-6A51-4108-AA02-DFA0A04FC94B}">
-              <ma14:wrappingTextBoxFlag xmlns:ma14="http://schemas.microsoft.com/office/mac/drawingml/2011/main" val="1"/>
+              <ma14:wrappingTextBoxFlag xmlns:ma14="http://schemas.microsoft.com/office/mac/drawingml/2011/main" xmlns="" val="1"/>
             </a:ext>
           </a:extLst>
         </p:spPr>
@@ -3386,8 +3446,18 @@
               </a:defRPr>
             </a:pPr>
             <a:r>
-              <a:t>ReactNativeはHTMLエレメントがReact Native用のUIコンポーネントになっただけの為、Reactの知識があれば簡単に</a:t>
-            </a:r>
+              <a:rPr dirty="0" err="1"/>
+              <a:t>ReactNativeはHTMLエレメントがReact</a:t>
+            </a:r>
+            <a:r>
+              <a:rPr dirty="0"/>
+              <a:t> </a:t>
+            </a:r>
+            <a:r>
+              <a:rPr dirty="0" err="1"/>
+              <a:t>Native用のUIコンポーネントになっただけの為、Reactの知識があれば簡単に</a:t>
+            </a:r>
+            <a:endParaRPr dirty="0"/>
           </a:p>
           <a:p>
             <a:pPr defTabSz="584200">
@@ -3399,7 +3469,12 @@
               </a:defRPr>
             </a:pPr>
             <a:r>
-              <a:t>定義できます。</a:t>
+              <a:rPr dirty="0" err="1"/>
+              <a:t>定義できます</a:t>
+            </a:r>
+            <a:r>
+              <a:rPr dirty="0"/>
+              <a:t>。</a:t>
             </a:r>
           </a:p>
         </p:txBody>
@@ -3409,12 +3484,12 @@
   <p:clrMapOvr>
     <a:masterClrMapping/>
   </p:clrMapOvr>
-  <p:transition xmlns:p14="http://schemas.microsoft.com/office/powerpoint/2010/main" spd="med" advClick="1"/>
+  <p:transition spd="med"/>
 </p:sld>
 </file>
 
 <file path=ppt/slides/slide2.xml><?xml version="1.0" encoding="utf-8"?>
-<p:sld xmlns:a="http://schemas.openxmlformats.org/drawingml/2006/main" xmlns:r="http://schemas.openxmlformats.org/officeDocument/2006/relationships" xmlns:p="http://schemas.openxmlformats.org/presentationml/2006/main" showMasterSp="1" showMasterPhAnim="1">
+<p:sld xmlns:a="http://schemas.openxmlformats.org/drawingml/2006/main" xmlns:r="http://schemas.openxmlformats.org/officeDocument/2006/relationships" xmlns:p="http://schemas.openxmlformats.org/presentationml/2006/main">
   <p:cSld>
     <p:spTree>
       <p:nvGrpSpPr>
@@ -3439,7 +3514,7 @@
         <p:spPr>
           <a:xfrm>
             <a:off x="538569" y="2970706"/>
-            <a:ext cx="5257801" cy="3275678"/>
+            <a:ext cx="6040031" cy="3275678"/>
           </a:xfrm>
           <a:prstGeom prst="rect">
             <a:avLst/>
@@ -3458,14 +3533,16 @@
           <a:bodyPr lIns="45719" rIns="45719" anchor="ctr"/>
           <a:lstStyle/>
           <a:p>
-            <a:pPr/>
+            <a:endParaRPr/>
           </a:p>
         </p:txBody>
       </p:sp>
       <p:sp>
         <p:nvSpPr>
           <p:cNvPr id="98" name="Shape 98"/>
-          <p:cNvSpPr/>
+          <p:cNvSpPr>
+            <a:spLocks noGrp="1"/>
+          </p:cNvSpPr>
           <p:nvPr>
             <p:ph type="title"/>
           </p:nvPr>
@@ -3490,16 +3567,7 @@
               <a:defRPr sz="2200"/>
             </a:pPr>
             <a:r>
-              <a:t>3-1</a:t>
-            </a:r>
-            <a:r>
-              <a:t>．</a:t>
-            </a:r>
-            <a:r>
-              <a:t>React Native</a:t>
-            </a:r>
-            <a:r>
-              <a:t>の基礎知識 ～コンポーネント編～</a:t>
+              <a:t>3-1．React Nativeの基礎知識 ～コンポーネント編～</a:t>
             </a:r>
           </a:p>
         </p:txBody>
@@ -3523,7 +3591,7 @@
           </a:ln>
           <a:extLst>
             <a:ext uri="{C572A759-6A51-4108-AA02-DFA0A04FC94B}">
-              <ma14:wrappingTextBoxFlag xmlns:ma14="http://schemas.microsoft.com/office/mac/drawingml/2011/main" val="1"/>
+              <ma14:wrappingTextBoxFlag xmlns:ma14="http://schemas.microsoft.com/office/mac/drawingml/2011/main" xmlns="" val="1"/>
             </a:ext>
           </a:extLst>
         </p:spPr>
@@ -3542,7 +3610,6 @@
             </a:lvl1pPr>
           </a:lstStyle>
           <a:p>
-            <a:pPr/>
             <a:r>
               <a:t>①コンポーネントをインポートする</a:t>
             </a:r>
@@ -3552,7 +3619,9 @@
       <p:sp>
         <p:nvSpPr>
           <p:cNvPr id="100" name="Shape 100"/>
-          <p:cNvSpPr/>
+          <p:cNvSpPr>
+            <a:spLocks noGrp="1"/>
+          </p:cNvSpPr>
           <p:nvPr>
             <p:ph type="body" sz="quarter" idx="1"/>
           </p:nvPr>
@@ -3643,7 +3712,7 @@
           </a:ln>
           <a:extLst>
             <a:ext uri="{C572A759-6A51-4108-AA02-DFA0A04FC94B}">
-              <ma14:wrappingTextBoxFlag xmlns:ma14="http://schemas.microsoft.com/office/mac/drawingml/2011/main" val="1"/>
+              <ma14:wrappingTextBoxFlag xmlns:ma14="http://schemas.microsoft.com/office/mac/drawingml/2011/main" xmlns="" val="1"/>
             </a:ext>
           </a:extLst>
         </p:spPr>
@@ -3653,59 +3722,75 @@
           </a:bodyPr>
           <a:lstStyle/>
           <a:p>
-            <a:pPr/>
-            <a:r>
+            <a:r>
+              <a:rPr dirty="0"/>
               <a:t>import React from 'react'</a:t>
             </a:r>
           </a:p>
           <a:p>
-            <a:pPr/>
-            <a:r>
-              <a:t>import { View Text, StyleSheet } from 'react-native'</a:t>
-            </a:r>
-          </a:p>
-          <a:p>
-            <a:pPr/>
-          </a:p>
-          <a:p>
-            <a:pPr/>
-            <a:r>
-              <a:t>export class App extends React.Component {</a:t>
-            </a:r>
-          </a:p>
-          <a:p>
-            <a:pPr/>
-            <a:r>
+            <a:r>
+              <a:rPr dirty="0"/>
+              <a:t>import { View Text, </a:t>
+            </a:r>
+            <a:r>
+              <a:rPr dirty="0" err="1"/>
+              <a:t>StyleSheet</a:t>
+            </a:r>
+            <a:r>
+              <a:rPr dirty="0"/>
+              <a:t> } from 'react-native'</a:t>
+            </a:r>
+          </a:p>
+          <a:p>
+            <a:endParaRPr dirty="0"/>
+          </a:p>
+          <a:p>
+            <a:r>
+              <a:rPr dirty="0"/>
+              <a:t>export class App extends </a:t>
+            </a:r>
+            <a:r>
+              <a:rPr dirty="0" err="1"/>
+              <a:t>React.Component</a:t>
+            </a:r>
+            <a:r>
+              <a:rPr dirty="0"/>
+              <a:t> {</a:t>
+            </a:r>
+          </a:p>
+          <a:p>
+            <a:r>
+              <a:rPr dirty="0"/>
               <a:t>  render() {</a:t>
             </a:r>
           </a:p>
           <a:p>
-            <a:pPr/>
-            <a:r>
+            <a:r>
+              <a:rPr dirty="0"/>
               <a:t>    &lt;View&gt;</a:t>
             </a:r>
           </a:p>
           <a:p>
-            <a:pPr/>
-            <a:r>
+            <a:r>
+              <a:rPr dirty="0"/>
               <a:t>      &lt;Text&gt;App&lt;/Text&gt;</a:t>
             </a:r>
           </a:p>
           <a:p>
-            <a:pPr/>
-            <a:r>
+            <a:r>
+              <a:rPr dirty="0"/>
               <a:t>    &lt;/View&gt;</a:t>
             </a:r>
           </a:p>
           <a:p>
-            <a:pPr/>
-            <a:r>
+            <a:r>
+              <a:rPr dirty="0"/>
               <a:t>  }</a:t>
             </a:r>
           </a:p>
           <a:p>
-            <a:pPr/>
-            <a:r>
+            <a:r>
+              <a:rPr dirty="0"/>
               <a:t>}</a:t>
             </a:r>
           </a:p>
@@ -3719,7 +3804,7 @@
         </p:nvSpPr>
         <p:spPr>
           <a:xfrm>
-            <a:off x="6220668" y="3134485"/>
+            <a:off x="6715968" y="3172585"/>
             <a:ext cx="4958871" cy="1831342"/>
           </a:xfrm>
           <a:prstGeom prst="rect">
@@ -3730,7 +3815,7 @@
           </a:ln>
           <a:extLst>
             <a:ext uri="{C572A759-6A51-4108-AA02-DFA0A04FC94B}">
-              <ma14:wrappingTextBoxFlag xmlns:ma14="http://schemas.microsoft.com/office/mac/drawingml/2011/main" val="1"/>
+              <ma14:wrappingTextBoxFlag xmlns:ma14="http://schemas.microsoft.com/office/mac/drawingml/2011/main" xmlns="" val="1"/>
             </a:ext>
           </a:extLst>
         </p:spPr>
@@ -3744,15 +3829,22 @@
               <a:defRPr sz="1600"/>
             </a:pPr>
             <a:r>
+              <a:rPr dirty="0" err="1"/>
               <a:t>react-nativeからViewモジュール、Textモジュールを</a:t>
             </a:r>
+            <a:endParaRPr dirty="0"/>
           </a:p>
           <a:p>
             <a:pPr>
               <a:defRPr sz="1600"/>
             </a:pPr>
             <a:r>
-              <a:t>インポートしています。</a:t>
+              <a:rPr dirty="0" err="1"/>
+              <a:t>インポートしています</a:t>
+            </a:r>
+            <a:r>
+              <a:rPr dirty="0"/>
+              <a:t>。</a:t>
             </a:r>
           </a:p>
           <a:p>
@@ -3760,28 +3852,45 @@
               <a:defRPr sz="1600"/>
             </a:pPr>
             <a:r>
-              <a:t>※Styleを定義するために、StyleSheetもインポート。</a:t>
+              <a:rPr dirty="0"/>
+              <a:t>※</a:t>
+            </a:r>
+            <a:r>
+              <a:rPr dirty="0" err="1"/>
+              <a:t>Styleを定義するために、StyleSheetもインポート</a:t>
+            </a:r>
+            <a:r>
+              <a:rPr dirty="0"/>
+              <a:t>。</a:t>
             </a:r>
           </a:p>
           <a:p>
             <a:pPr>
               <a:defRPr sz="1600"/>
             </a:pPr>
+            <a:endParaRPr dirty="0"/>
           </a:p>
           <a:p>
             <a:pPr>
               <a:defRPr sz="1600"/>
             </a:pPr>
             <a:r>
+              <a:rPr dirty="0" err="1"/>
               <a:t>左記は一例のため、その他使いたいモジュールを</a:t>
             </a:r>
+            <a:endParaRPr dirty="0"/>
           </a:p>
           <a:p>
             <a:pPr>
               <a:defRPr sz="1600"/>
             </a:pPr>
             <a:r>
-              <a:t>インポートします。</a:t>
+              <a:rPr dirty="0" err="1"/>
+              <a:t>インポートします</a:t>
+            </a:r>
+            <a:r>
+              <a:rPr dirty="0"/>
+              <a:t>。</a:t>
             </a:r>
           </a:p>
         </p:txBody>
@@ -3795,7 +3904,7 @@
         <p:spPr>
           <a:xfrm>
             <a:off x="519870" y="3329285"/>
-            <a:ext cx="5295200" cy="336551"/>
+            <a:ext cx="6058730" cy="336551"/>
           </a:xfrm>
           <a:prstGeom prst="rect">
             <a:avLst/>
@@ -3811,7 +3920,7 @@
           <a:bodyPr lIns="45719" rIns="45719" anchor="ctr"/>
           <a:lstStyle/>
           <a:p>
-            <a:pPr/>
+            <a:endParaRPr/>
           </a:p>
         </p:txBody>
       </p:sp>
@@ -3820,12 +3929,12 @@
   <p:clrMapOvr>
     <a:masterClrMapping/>
   </p:clrMapOvr>
-  <p:transition xmlns:p14="http://schemas.microsoft.com/office/powerpoint/2010/main" spd="med" advClick="1" p14:dur="1000"/>
+  <p:transition spd="slow"/>
 </p:sld>
 </file>
 
 <file path=ppt/slides/slide3.xml><?xml version="1.0" encoding="utf-8"?>
-<p:sld xmlns:a="http://schemas.openxmlformats.org/drawingml/2006/main" xmlns:r="http://schemas.openxmlformats.org/officeDocument/2006/relationships" xmlns:p="http://schemas.openxmlformats.org/presentationml/2006/main" showMasterSp="1" showMasterPhAnim="1">
+<p:sld xmlns:a="http://schemas.openxmlformats.org/drawingml/2006/main" xmlns:r="http://schemas.openxmlformats.org/officeDocument/2006/relationships" xmlns:p="http://schemas.openxmlformats.org/presentationml/2006/main">
   <p:cSld>
     <p:spTree>
       <p:nvGrpSpPr>
@@ -3850,7 +3959,7 @@
         <p:spPr>
           <a:xfrm>
             <a:off x="538569" y="2024523"/>
-            <a:ext cx="5257801" cy="3275678"/>
+            <a:ext cx="6078131" cy="3275678"/>
           </a:xfrm>
           <a:prstGeom prst="rect">
             <a:avLst/>
@@ -3869,14 +3978,16 @@
           <a:bodyPr lIns="45719" rIns="45719" anchor="ctr"/>
           <a:lstStyle/>
           <a:p>
-            <a:pPr/>
+            <a:endParaRPr/>
           </a:p>
         </p:txBody>
       </p:sp>
       <p:sp>
         <p:nvSpPr>
           <p:cNvPr id="106" name="Shape 106"/>
-          <p:cNvSpPr/>
+          <p:cNvSpPr>
+            <a:spLocks noGrp="1"/>
+          </p:cNvSpPr>
           <p:nvPr>
             <p:ph type="title"/>
           </p:nvPr>
@@ -3901,16 +4012,7 @@
               <a:defRPr sz="2200"/>
             </a:pPr>
             <a:r>
-              <a:t>3-1</a:t>
-            </a:r>
-            <a:r>
-              <a:t>．</a:t>
-            </a:r>
-            <a:r>
-              <a:t>React Native</a:t>
-            </a:r>
-            <a:r>
-              <a:t>の基礎知識 ～コンポーネント編～</a:t>
+              <a:t>3-1．React Nativeの基礎知識 ～コンポーネント編～</a:t>
             </a:r>
           </a:p>
         </p:txBody>
@@ -3934,7 +4036,7 @@
           </a:ln>
           <a:extLst>
             <a:ext uri="{C572A759-6A51-4108-AA02-DFA0A04FC94B}">
-              <ma14:wrappingTextBoxFlag xmlns:ma14="http://schemas.microsoft.com/office/mac/drawingml/2011/main" val="1"/>
+              <ma14:wrappingTextBoxFlag xmlns:ma14="http://schemas.microsoft.com/office/mac/drawingml/2011/main" xmlns="" val="1"/>
             </a:ext>
           </a:extLst>
         </p:spPr>
@@ -3953,7 +4055,6 @@
             </a:lvl1pPr>
           </a:lstStyle>
           <a:p>
-            <a:pPr/>
             <a:r>
               <a:t>②JSXで配置する</a:t>
             </a:r>
@@ -3979,7 +4080,7 @@
           </a:ln>
           <a:extLst>
             <a:ext uri="{C572A759-6A51-4108-AA02-DFA0A04FC94B}">
-              <ma14:wrappingTextBoxFlag xmlns:ma14="http://schemas.microsoft.com/office/mac/drawingml/2011/main" val="1"/>
+              <ma14:wrappingTextBoxFlag xmlns:ma14="http://schemas.microsoft.com/office/mac/drawingml/2011/main" xmlns="" val="1"/>
             </a:ext>
           </a:extLst>
         </p:spPr>
@@ -3989,59 +4090,75 @@
           </a:bodyPr>
           <a:lstStyle/>
           <a:p>
-            <a:pPr/>
-            <a:r>
+            <a:r>
+              <a:rPr dirty="0"/>
               <a:t>import React from 'react'</a:t>
             </a:r>
           </a:p>
           <a:p>
-            <a:pPr/>
-            <a:r>
-              <a:t>import { View Text, StyleSheet } from 'react-native'</a:t>
-            </a:r>
-          </a:p>
-          <a:p>
-            <a:pPr/>
-          </a:p>
-          <a:p>
-            <a:pPr/>
-            <a:r>
-              <a:t>export class App extends React.Component {</a:t>
-            </a:r>
-          </a:p>
-          <a:p>
-            <a:pPr/>
-            <a:r>
+            <a:r>
+              <a:rPr dirty="0"/>
+              <a:t>import { View Text, </a:t>
+            </a:r>
+            <a:r>
+              <a:rPr dirty="0" err="1"/>
+              <a:t>StyleSheet</a:t>
+            </a:r>
+            <a:r>
+              <a:rPr dirty="0"/>
+              <a:t> } from 'react-native'</a:t>
+            </a:r>
+          </a:p>
+          <a:p>
+            <a:endParaRPr dirty="0"/>
+          </a:p>
+          <a:p>
+            <a:r>
+              <a:rPr dirty="0"/>
+              <a:t>export class App extends </a:t>
+            </a:r>
+            <a:r>
+              <a:rPr dirty="0" err="1"/>
+              <a:t>React.Component</a:t>
+            </a:r>
+            <a:r>
+              <a:rPr dirty="0"/>
+              <a:t> {</a:t>
+            </a:r>
+          </a:p>
+          <a:p>
+            <a:r>
+              <a:rPr dirty="0"/>
               <a:t>  render() {</a:t>
             </a:r>
           </a:p>
           <a:p>
-            <a:pPr/>
-            <a:r>
+            <a:r>
+              <a:rPr dirty="0"/>
               <a:t>    &lt;View&gt;</a:t>
             </a:r>
           </a:p>
           <a:p>
-            <a:pPr/>
-            <a:r>
+            <a:r>
+              <a:rPr dirty="0"/>
               <a:t>      &lt;Text&gt;App&lt;/Text&gt;</a:t>
             </a:r>
           </a:p>
           <a:p>
-            <a:pPr/>
-            <a:r>
+            <a:r>
+              <a:rPr dirty="0"/>
               <a:t>    &lt;/View&gt;</a:t>
             </a:r>
           </a:p>
           <a:p>
-            <a:pPr/>
-            <a:r>
+            <a:r>
+              <a:rPr dirty="0"/>
               <a:t>  }</a:t>
             </a:r>
           </a:p>
           <a:p>
-            <a:pPr/>
-            <a:r>
+            <a:r>
+              <a:rPr dirty="0"/>
               <a:t>}</a:t>
             </a:r>
           </a:p>
@@ -4055,7 +4172,7 @@
         </p:nvSpPr>
         <p:spPr>
           <a:xfrm>
-            <a:off x="6193395" y="2084453"/>
+            <a:off x="7145895" y="2046509"/>
             <a:ext cx="4515307" cy="675641"/>
           </a:xfrm>
           <a:prstGeom prst="rect">
@@ -4066,7 +4183,7 @@
           </a:ln>
           <a:extLst>
             <a:ext uri="{C572A759-6A51-4108-AA02-DFA0A04FC94B}">
-              <ma14:wrappingTextBoxFlag xmlns:ma14="http://schemas.microsoft.com/office/mac/drawingml/2011/main" val="1"/>
+              <ma14:wrappingTextBoxFlag xmlns:ma14="http://schemas.microsoft.com/office/mac/drawingml/2011/main" xmlns="" val="1"/>
             </a:ext>
           </a:extLst>
         </p:spPr>
@@ -4080,7 +4197,12 @@
               <a:defRPr sz="1600"/>
             </a:pPr>
             <a:r>
-              <a:t>レイアウトのJSXでReactNativeのViewを配置、</a:t>
+              <a:rPr dirty="0" err="1"/>
+              <a:t>レイアウトのJSXでReactNativeのViewを配置</a:t>
+            </a:r>
+            <a:r>
+              <a:rPr dirty="0"/>
+              <a:t>、</a:t>
             </a:r>
           </a:p>
           <a:p>
@@ -4088,7 +4210,12 @@
               <a:defRPr sz="1600"/>
             </a:pPr>
             <a:r>
-              <a:t>その中にTextを配置しています。</a:t>
+              <a:rPr dirty="0" err="1"/>
+              <a:t>その中にTextを配置しています</a:t>
+            </a:r>
+            <a:r>
+              <a:rPr dirty="0"/>
+              <a:t>。</a:t>
             </a:r>
           </a:p>
         </p:txBody>
@@ -4118,7 +4245,7 @@
           <a:bodyPr lIns="45719" rIns="45719" anchor="ctr"/>
           <a:lstStyle/>
           <a:p>
-            <a:pPr/>
+            <a:endParaRPr/>
           </a:p>
         </p:txBody>
       </p:sp>
@@ -4127,12 +4254,12 @@
   <p:clrMapOvr>
     <a:masterClrMapping/>
   </p:clrMapOvr>
-  <p:transition xmlns:p14="http://schemas.microsoft.com/office/powerpoint/2010/main" spd="med" advClick="1" p14:dur="1000"/>
+  <p:transition spd="slow"/>
 </p:sld>
 </file>
 
 <file path=ppt/slides/slide4.xml><?xml version="1.0" encoding="utf-8"?>
-<p:sld xmlns:a="http://schemas.openxmlformats.org/drawingml/2006/main" xmlns:r="http://schemas.openxmlformats.org/officeDocument/2006/relationships" xmlns:p="http://schemas.openxmlformats.org/presentationml/2006/main" showMasterSp="1" showMasterPhAnim="1">
+<p:sld xmlns:a="http://schemas.openxmlformats.org/drawingml/2006/main" xmlns:r="http://schemas.openxmlformats.org/officeDocument/2006/relationships" xmlns:p="http://schemas.openxmlformats.org/presentationml/2006/main">
   <p:cSld>
     <p:spTree>
       <p:nvGrpSpPr>
@@ -4176,14 +4303,16 @@
           <a:bodyPr lIns="45719" rIns="45719" anchor="ctr"/>
           <a:lstStyle/>
           <a:p>
-            <a:pPr/>
+            <a:endParaRPr/>
           </a:p>
         </p:txBody>
       </p:sp>
       <p:sp>
         <p:nvSpPr>
           <p:cNvPr id="113" name="Shape 113"/>
-          <p:cNvSpPr/>
+          <p:cNvSpPr>
+            <a:spLocks noGrp="1"/>
+          </p:cNvSpPr>
           <p:nvPr>
             <p:ph type="title"/>
           </p:nvPr>
@@ -4208,16 +4337,7 @@
               <a:defRPr sz="2200"/>
             </a:pPr>
             <a:r>
-              <a:t>3-1</a:t>
-            </a:r>
-            <a:r>
-              <a:t>．</a:t>
-            </a:r>
-            <a:r>
-              <a:t>React Native</a:t>
-            </a:r>
-            <a:r>
-              <a:t>の基礎知識 ～コンポーネント編～</a:t>
+              <a:t>3-1．React Nativeの基礎知識 ～コンポーネント編～</a:t>
             </a:r>
           </a:p>
         </p:txBody>
@@ -4241,7 +4361,7 @@
           </a:ln>
           <a:extLst>
             <a:ext uri="{C572A759-6A51-4108-AA02-DFA0A04FC94B}">
-              <ma14:wrappingTextBoxFlag xmlns:ma14="http://schemas.microsoft.com/office/mac/drawingml/2011/main" val="1"/>
+              <ma14:wrappingTextBoxFlag xmlns:ma14="http://schemas.microsoft.com/office/mac/drawingml/2011/main" xmlns="" val="1"/>
             </a:ext>
           </a:extLst>
         </p:spPr>
@@ -4260,7 +4380,6 @@
             </a:lvl1pPr>
           </a:lstStyle>
           <a:p>
-            <a:pPr/>
             <a:r>
               <a:t>③スタイルを設定する</a:t>
             </a:r>
@@ -4276,7 +4395,7 @@
         <p:spPr>
           <a:xfrm>
             <a:off x="560113" y="1732863"/>
-            <a:ext cx="5214713" cy="4841241"/>
+            <a:ext cx="5967687" cy="4841241"/>
           </a:xfrm>
           <a:prstGeom prst="rect">
             <a:avLst/>
@@ -4286,7 +4405,172 @@
           </a:ln>
           <a:extLst>
             <a:ext uri="{C572A759-6A51-4108-AA02-DFA0A04FC94B}">
-              <ma14:wrappingTextBoxFlag xmlns:ma14="http://schemas.microsoft.com/office/mac/drawingml/2011/main" val="1"/>
+              <ma14:wrappingTextBoxFlag xmlns:ma14="http://schemas.microsoft.com/office/mac/drawingml/2011/main" xmlns="" val="1"/>
+            </a:ext>
+          </a:extLst>
+        </p:spPr>
+        <p:txBody>
+          <a:bodyPr wrap="square" lIns="45719" rIns="45719">
+            <a:spAutoFit/>
+          </a:bodyPr>
+          <a:lstStyle/>
+          <a:p>
+            <a:r>
+              <a:rPr dirty="0"/>
+              <a:t>import React from 'react'</a:t>
+            </a:r>
+          </a:p>
+          <a:p>
+            <a:r>
+              <a:rPr dirty="0"/>
+              <a:t>import { View Text, </a:t>
+            </a:r>
+            <a:r>
+              <a:rPr dirty="0" err="1"/>
+              <a:t>StyleSheet</a:t>
+            </a:r>
+            <a:r>
+              <a:rPr dirty="0"/>
+              <a:t> } from 'react-native'</a:t>
+            </a:r>
+          </a:p>
+          <a:p>
+            <a:endParaRPr dirty="0"/>
+          </a:p>
+          <a:p>
+            <a:r>
+              <a:rPr dirty="0"/>
+              <a:t>export class App extends </a:t>
+            </a:r>
+            <a:r>
+              <a:rPr dirty="0" err="1"/>
+              <a:t>React.Component</a:t>
+            </a:r>
+            <a:r>
+              <a:rPr dirty="0"/>
+              <a:t> {</a:t>
+            </a:r>
+          </a:p>
+          <a:p>
+            <a:r>
+              <a:rPr dirty="0"/>
+              <a:t>  render() {</a:t>
+            </a:r>
+          </a:p>
+          <a:p>
+            <a:r>
+              <a:rPr dirty="0"/>
+              <a:t>    &lt;View style={</a:t>
+            </a:r>
+            <a:r>
+              <a:rPr dirty="0" err="1"/>
+              <a:t>styles.container</a:t>
+            </a:r>
+            <a:r>
+              <a:rPr dirty="0"/>
+              <a:t>}&gt;</a:t>
+            </a:r>
+          </a:p>
+          <a:p>
+            <a:r>
+              <a:rPr dirty="0"/>
+              <a:t>      &lt;Text&gt;App&lt;/Text&gt;</a:t>
+            </a:r>
+          </a:p>
+          <a:p>
+            <a:r>
+              <a:rPr dirty="0"/>
+              <a:t>    &lt;/View&gt;</a:t>
+            </a:r>
+          </a:p>
+          <a:p>
+            <a:r>
+              <a:rPr dirty="0"/>
+              <a:t>  }</a:t>
+            </a:r>
+          </a:p>
+          <a:p>
+            <a:r>
+              <a:rPr dirty="0"/>
+              <a:t>}</a:t>
+            </a:r>
+          </a:p>
+          <a:p>
+            <a:r>
+              <a:rPr dirty="0" err="1"/>
+              <a:t>const</a:t>
+            </a:r>
+            <a:r>
+              <a:rPr dirty="0"/>
+              <a:t> styles = </a:t>
+            </a:r>
+            <a:r>
+              <a:rPr dirty="0" err="1"/>
+              <a:t>StyleSheet.create</a:t>
+            </a:r>
+            <a:r>
+              <a:rPr dirty="0"/>
+              <a:t>({</a:t>
+            </a:r>
+          </a:p>
+          <a:p>
+            <a:r>
+              <a:rPr dirty="0"/>
+              <a:t>  container: {</a:t>
+            </a:r>
+          </a:p>
+          <a:p>
+            <a:r>
+              <a:rPr dirty="0"/>
+              <a:t>    width: 100,</a:t>
+            </a:r>
+          </a:p>
+          <a:p>
+            <a:r>
+              <a:rPr dirty="0"/>
+              <a:t>    height: 44,</a:t>
+            </a:r>
+          </a:p>
+          <a:p>
+            <a:r>
+              <a:rPr dirty="0"/>
+              <a:t>    ...</a:t>
+            </a:r>
+          </a:p>
+          <a:p>
+            <a:r>
+              <a:rPr dirty="0"/>
+              <a:t>  }</a:t>
+            </a:r>
+          </a:p>
+          <a:p>
+            <a:r>
+              <a:rPr dirty="0"/>
+              <a:t>});</a:t>
+            </a:r>
+          </a:p>
+        </p:txBody>
+      </p:sp>
+      <p:sp>
+        <p:nvSpPr>
+          <p:cNvPr id="116" name="Shape 116"/>
+          <p:cNvSpPr/>
+          <p:nvPr/>
+        </p:nvSpPr>
+        <p:spPr>
+          <a:xfrm>
+            <a:off x="6952598" y="2002312"/>
+            <a:ext cx="5239402" cy="942341"/>
+          </a:xfrm>
+          <a:prstGeom prst="rect">
+            <a:avLst/>
+          </a:prstGeom>
+          <a:ln w="12700">
+            <a:miter lim="400000"/>
+          </a:ln>
+          <a:extLst>
+            <a:ext uri="{C572A759-6A51-4108-AA02-DFA0A04FC94B}">
+              <ma14:wrappingTextBoxFlag xmlns:ma14="http://schemas.microsoft.com/office/mac/drawingml/2011/main" xmlns="" val="1"/>
             </a:ext>
           </a:extLst>
         </p:spPr>
@@ -4296,148 +4580,26 @@
           </a:bodyPr>
           <a:lstStyle/>
           <a:p>
-            <a:pPr/>
-            <a:r>
-              <a:t>import React from 'react'</a:t>
-            </a:r>
-          </a:p>
-          <a:p>
-            <a:pPr/>
-            <a:r>
-              <a:t>import { View Text, StyleSheet } from 'react-native'</a:t>
-            </a:r>
-          </a:p>
-          <a:p>
-            <a:pPr/>
-          </a:p>
-          <a:p>
-            <a:pPr/>
-            <a:r>
-              <a:t>export class App extends React.Component {</a:t>
-            </a:r>
-          </a:p>
-          <a:p>
-            <a:pPr/>
-            <a:r>
-              <a:t>  render() {</a:t>
-            </a:r>
-          </a:p>
-          <a:p>
-            <a:pPr/>
-            <a:r>
-              <a:t>    &lt;View style={styles.container}&gt;</a:t>
-            </a:r>
-          </a:p>
-          <a:p>
-            <a:pPr/>
-            <a:r>
-              <a:t>      &lt;Text&gt;App&lt;/Text&gt;</a:t>
-            </a:r>
-          </a:p>
-          <a:p>
-            <a:pPr/>
-            <a:r>
-              <a:t>    &lt;/View&gt;</a:t>
-            </a:r>
-          </a:p>
-          <a:p>
-            <a:pPr/>
-            <a:r>
-              <a:t>  }</a:t>
-            </a:r>
-          </a:p>
-          <a:p>
-            <a:pPr/>
-            <a:r>
-              <a:t>}</a:t>
-            </a:r>
-          </a:p>
-          <a:p>
-            <a:pPr/>
-            <a:r>
-              <a:t>const styles = StyleSheet.create({</a:t>
-            </a:r>
-          </a:p>
-          <a:p>
-            <a:pPr/>
-            <a:r>
-              <a:t>  container: {</a:t>
-            </a:r>
-          </a:p>
-          <a:p>
-            <a:pPr/>
-            <a:r>
-              <a:t>    width: 100,</a:t>
-            </a:r>
-          </a:p>
-          <a:p>
-            <a:pPr/>
-            <a:r>
-              <a:t>    height: 44,</a:t>
-            </a:r>
-          </a:p>
-          <a:p>
-            <a:pPr/>
-            <a:r>
-              <a:t>    ...</a:t>
-            </a:r>
-          </a:p>
-          <a:p>
-            <a:pPr/>
-            <a:r>
-              <a:t>  }</a:t>
-            </a:r>
-          </a:p>
-          <a:p>
-            <a:pPr/>
-            <a:r>
-              <a:t>});</a:t>
-            </a:r>
-          </a:p>
-        </p:txBody>
-      </p:sp>
-      <p:sp>
-        <p:nvSpPr>
-          <p:cNvPr id="116" name="Shape 116"/>
-          <p:cNvSpPr/>
-          <p:nvPr/>
-        </p:nvSpPr>
-        <p:spPr>
-          <a:xfrm>
-            <a:off x="6207031" y="3107212"/>
-            <a:ext cx="5239402" cy="942341"/>
-          </a:xfrm>
-          <a:prstGeom prst="rect">
-            <a:avLst/>
-          </a:prstGeom>
-          <a:ln w="12700">
-            <a:miter lim="400000"/>
-          </a:ln>
-          <a:extLst>
-            <a:ext uri="{C572A759-6A51-4108-AA02-DFA0A04FC94B}">
-              <ma14:wrappingTextBoxFlag xmlns:ma14="http://schemas.microsoft.com/office/mac/drawingml/2011/main" val="1"/>
-            </a:ext>
-          </a:extLst>
-        </p:spPr>
-        <p:txBody>
-          <a:bodyPr wrap="none" lIns="45719" rIns="45719">
-            <a:spAutoFit/>
-          </a:bodyPr>
-          <a:lstStyle/>
-          <a:p>
             <a:pPr>
               <a:defRPr sz="1600"/>
             </a:pPr>
             <a:r>
+              <a:rPr dirty="0" err="1"/>
               <a:t>スタイルでコンポーネントの見た目をカスタマイズする</a:t>
             </a:r>
+            <a:endParaRPr dirty="0"/>
           </a:p>
           <a:p>
             <a:pPr>
               <a:defRPr sz="1600"/>
             </a:pPr>
             <a:r>
-              <a:t>場合は、スタイルを定義して設定します。</a:t>
+              <a:rPr dirty="0" err="1"/>
+              <a:t>場合は、スタイルを定義して設定します</a:t>
+            </a:r>
+            <a:r>
+              <a:rPr dirty="0"/>
+              <a:t>。</a:t>
             </a:r>
           </a:p>
           <a:p>
@@ -4445,7 +4607,20 @@
               <a:defRPr sz="1600"/>
             </a:pPr>
             <a:r>
-              <a:t>JSX内で変数を使ったスタイル定義は、{}でくくります。</a:t>
+              <a:rPr dirty="0" err="1"/>
+              <a:t>JSX内で変数を使ったスタイル定義は</a:t>
+            </a:r>
+            <a:r>
+              <a:rPr dirty="0"/>
+              <a:t>、{}</a:t>
+            </a:r>
+            <a:r>
+              <a:rPr dirty="0" err="1"/>
+              <a:t>でくくります</a:t>
+            </a:r>
+            <a:r>
+              <a:rPr dirty="0"/>
+              <a:t>。</a:t>
             </a:r>
           </a:p>
         </p:txBody>
@@ -4458,8 +4633,8 @@
         </p:nvSpPr>
         <p:spPr>
           <a:xfrm>
-            <a:off x="517632" y="4598666"/>
-            <a:ext cx="3938820" cy="1985803"/>
+            <a:off x="517632" y="4495800"/>
+            <a:ext cx="3938820" cy="2088669"/>
           </a:xfrm>
           <a:prstGeom prst="rect">
             <a:avLst/>
@@ -4475,7 +4650,7 @@
           <a:bodyPr lIns="45719" rIns="45719" anchor="ctr"/>
           <a:lstStyle/>
           <a:p>
-            <a:pPr/>
+            <a:endParaRPr/>
           </a:p>
         </p:txBody>
       </p:sp>
@@ -4487,8 +4662,8 @@
         </p:nvSpPr>
         <p:spPr>
           <a:xfrm>
-            <a:off x="1511740" y="3160582"/>
-            <a:ext cx="2375810" cy="336551"/>
+            <a:off x="1676400" y="3160582"/>
+            <a:ext cx="2780052" cy="336551"/>
           </a:xfrm>
           <a:prstGeom prst="rect">
             <a:avLst/>
@@ -4504,7 +4679,7 @@
           <a:bodyPr lIns="45719" rIns="45719" anchor="ctr"/>
           <a:lstStyle/>
           <a:p>
-            <a:pPr/>
+            <a:endParaRPr/>
           </a:p>
         </p:txBody>
       </p:sp>
@@ -4513,12 +4688,12 @@
   <p:clrMapOvr>
     <a:masterClrMapping/>
   </p:clrMapOvr>
-  <p:transition xmlns:p14="http://schemas.microsoft.com/office/powerpoint/2010/main" spd="med" advClick="1" p14:dur="1000"/>
+  <p:transition spd="slow"/>
 </p:sld>
 </file>
 
 <file path=ppt/slides/slide5.xml><?xml version="1.0" encoding="utf-8"?>
-<p:sld xmlns:a="http://schemas.openxmlformats.org/drawingml/2006/main" xmlns:r="http://schemas.openxmlformats.org/officeDocument/2006/relationships" xmlns:p="http://schemas.openxmlformats.org/presentationml/2006/main" showMasterSp="1" showMasterPhAnim="1">
+<p:sld xmlns:a="http://schemas.openxmlformats.org/drawingml/2006/main" xmlns:r="http://schemas.openxmlformats.org/officeDocument/2006/relationships" xmlns:p="http://schemas.openxmlformats.org/presentationml/2006/main">
   <p:cSld>
     <p:spTree>
       <p:nvGrpSpPr>
@@ -4562,14 +4737,16 @@
           <a:bodyPr lIns="45719" rIns="45719" anchor="ctr"/>
           <a:lstStyle/>
           <a:p>
-            <a:pPr/>
+            <a:endParaRPr/>
           </a:p>
         </p:txBody>
       </p:sp>
       <p:sp>
         <p:nvSpPr>
           <p:cNvPr id="121" name="Shape 121"/>
-          <p:cNvSpPr/>
+          <p:cNvSpPr>
+            <a:spLocks noGrp="1"/>
+          </p:cNvSpPr>
           <p:nvPr>
             <p:ph type="title"/>
           </p:nvPr>
@@ -4594,16 +4771,7 @@
               <a:defRPr sz="2200"/>
             </a:pPr>
             <a:r>
-              <a:t>3-1</a:t>
-            </a:r>
-            <a:r>
-              <a:t>．</a:t>
-            </a:r>
-            <a:r>
-              <a:t>React Native</a:t>
-            </a:r>
-            <a:r>
-              <a:t>の基礎知識 ～コンポーネント編～</a:t>
+              <a:t>3-1．React Nativeの基礎知識 ～コンポーネント編～</a:t>
             </a:r>
           </a:p>
         </p:txBody>
@@ -4627,7 +4795,7 @@
           </a:ln>
           <a:extLst>
             <a:ext uri="{C572A759-6A51-4108-AA02-DFA0A04FC94B}">
-              <ma14:wrappingTextBoxFlag xmlns:ma14="http://schemas.microsoft.com/office/mac/drawingml/2011/main" val="1"/>
+              <ma14:wrappingTextBoxFlag xmlns:ma14="http://schemas.microsoft.com/office/mac/drawingml/2011/main" xmlns="" val="1"/>
             </a:ext>
           </a:extLst>
         </p:spPr>
@@ -4646,7 +4814,6 @@
             </a:lvl1pPr>
           </a:lstStyle>
           <a:p>
-            <a:pPr/>
             <a:r>
               <a:t>④プロパティを設定する</a:t>
             </a:r>
@@ -4672,7 +4839,7 @@
           </a:ln>
           <a:extLst>
             <a:ext uri="{C572A759-6A51-4108-AA02-DFA0A04FC94B}">
-              <ma14:wrappingTextBoxFlag xmlns:ma14="http://schemas.microsoft.com/office/mac/drawingml/2011/main" val="1"/>
+              <ma14:wrappingTextBoxFlag xmlns:ma14="http://schemas.microsoft.com/office/mac/drawingml/2011/main" xmlns="" val="1"/>
             </a:ext>
           </a:extLst>
         </p:spPr>
@@ -4682,95 +4849,140 @@
           </a:bodyPr>
           <a:lstStyle/>
           <a:p>
-            <a:pPr/>
-            <a:r>
+            <a:r>
+              <a:rPr dirty="0"/>
               <a:t>import React from 'react'</a:t>
             </a:r>
           </a:p>
           <a:p>
-            <a:pPr/>
-            <a:r>
-              <a:t>import { View Text, StyleSheet, Button } from 'react-native'</a:t>
-            </a:r>
-          </a:p>
-          <a:p>
-            <a:pPr/>
-          </a:p>
-          <a:p>
-            <a:pPr/>
-            <a:r>
-              <a:t>export class App extends React.Component {</a:t>
-            </a:r>
-          </a:p>
-          <a:p>
-            <a:pPr/>
-            <a:r>
+            <a:r>
+              <a:rPr dirty="0"/>
+              <a:t>import { View Text, </a:t>
+            </a:r>
+            <a:r>
+              <a:rPr dirty="0" err="1"/>
+              <a:t>StyleSheet</a:t>
+            </a:r>
+            <a:r>
+              <a:rPr dirty="0"/>
+              <a:t>, Button } from 'react-native'</a:t>
+            </a:r>
+          </a:p>
+          <a:p>
+            <a:endParaRPr dirty="0"/>
+          </a:p>
+          <a:p>
+            <a:r>
+              <a:rPr dirty="0"/>
+              <a:t>export class App extends </a:t>
+            </a:r>
+            <a:r>
+              <a:rPr dirty="0" err="1"/>
+              <a:t>React.Component</a:t>
+            </a:r>
+            <a:r>
+              <a:rPr dirty="0"/>
+              <a:t> {</a:t>
+            </a:r>
+          </a:p>
+          <a:p>
+            <a:r>
+              <a:rPr dirty="0"/>
               <a:t>  render() {</a:t>
             </a:r>
           </a:p>
           <a:p>
-            <a:pPr/>
-            <a:r>
+            <a:r>
+              <a:rPr dirty="0"/>
               <a:t>    &lt;View&gt;</a:t>
             </a:r>
           </a:p>
           <a:p>
-            <a:pPr/>
-            <a:r>
+            <a:r>
+              <a:rPr dirty="0"/>
               <a:t>      &lt;Text&gt;App&lt;/Text&gt;</a:t>
             </a:r>
           </a:p>
           <a:p>
-            <a:pPr/>
-            <a:r>
+            <a:r>
+              <a:rPr dirty="0"/>
               <a:t>      &lt;Button</a:t>
             </a:r>
           </a:p>
           <a:p>
             <a:pPr lvl="1"/>
             <a:r>
-              <a:t>  onPress={onPressLearnMore}</a:t>
+              <a:rPr dirty="0"/>
+              <a:t>  </a:t>
+            </a:r>
+            <a:r>
+              <a:rPr dirty="0" err="1"/>
+              <a:t>onPress</a:t>
+            </a:r>
+            <a:r>
+              <a:rPr dirty="0"/>
+              <a:t>={</a:t>
+            </a:r>
+            <a:r>
+              <a:rPr dirty="0" err="1"/>
+              <a:t>onPressLearnMore</a:t>
+            </a:r>
+            <a:r>
+              <a:rPr dirty="0"/>
+              <a:t>}</a:t>
             </a:r>
           </a:p>
           <a:p>
             <a:pPr lvl="1"/>
             <a:r>
+              <a:rPr dirty="0"/>
               <a:t>  title="Learn More"</a:t>
             </a:r>
           </a:p>
           <a:p>
             <a:pPr lvl="1"/>
             <a:r>
+              <a:rPr dirty="0"/>
               <a:t>  color="#841584"</a:t>
             </a:r>
           </a:p>
           <a:p>
             <a:pPr lvl="1"/>
             <a:r>
-              <a:t>  accessibilityLabel="Learn more about this purple button”</a:t>
+              <a:rPr dirty="0"/>
+              <a:t>  </a:t>
+            </a:r>
+            <a:r>
+              <a:rPr dirty="0" err="1"/>
+              <a:t>accessibilityLabel</a:t>
+            </a:r>
+            <a:r>
+              <a:rPr dirty="0"/>
+              <a:t>="Learn more about this purple button”</a:t>
             </a:r>
           </a:p>
           <a:p>
             <a:pPr lvl="1"/>
             <a:r>
+              <a:rPr dirty="0"/>
               <a:t>/&gt;</a:t>
             </a:r>
           </a:p>
           <a:p>
-            <a:pPr/>
-            <a:r>
+            <a:r>
+              <a:rPr dirty="0"/>
               <a:t>    &lt;/View&gt;</a:t>
             </a:r>
           </a:p>
           <a:p>
-            <a:pPr/>
-            <a:r>
+            <a:r>
+              <a:rPr dirty="0"/>
               <a:t>  }</a:t>
             </a:r>
           </a:p>
           <a:p>
-            <a:pPr/>
-            <a:r>
+            <a:r>
+              <a:rPr dirty="0"/>
               <a:t>}</a:t>
             </a:r>
           </a:p>
@@ -4784,8 +4996,8 @@
         </p:nvSpPr>
         <p:spPr>
           <a:xfrm>
-            <a:off x="827946" y="3712276"/>
-            <a:ext cx="5915567" cy="1718873"/>
+            <a:off x="431800" y="3712276"/>
+            <a:ext cx="6311714" cy="2167824"/>
           </a:xfrm>
           <a:prstGeom prst="rect">
             <a:avLst/>
@@ -4801,7 +5013,7 @@
           <a:bodyPr lIns="45719" rIns="45719" anchor="ctr"/>
           <a:lstStyle/>
           <a:p>
-            <a:pPr/>
+            <a:endParaRPr/>
           </a:p>
         </p:txBody>
       </p:sp>
@@ -4813,7 +5025,7 @@
         </p:nvSpPr>
         <p:spPr>
           <a:xfrm>
-            <a:off x="3553926" y="2005518"/>
+            <a:off x="4100026" y="1997248"/>
             <a:ext cx="747066" cy="336551"/>
           </a:xfrm>
           <a:prstGeom prst="rect">
@@ -4830,7 +5042,7 @@
           <a:bodyPr lIns="45719" rIns="45719" anchor="ctr"/>
           <a:lstStyle/>
           <a:p>
-            <a:pPr/>
+            <a:endParaRPr/>
           </a:p>
         </p:txBody>
       </p:sp>
@@ -4853,7 +5065,7 @@
           </a:ln>
           <a:extLst>
             <a:ext uri="{C572A759-6A51-4108-AA02-DFA0A04FC94B}">
-              <ma14:wrappingTextBoxFlag xmlns:ma14="http://schemas.microsoft.com/office/mac/drawingml/2011/main" val="1"/>
+              <ma14:wrappingTextBoxFlag xmlns:ma14="http://schemas.microsoft.com/office/mac/drawingml/2011/main" xmlns="" val="1"/>
             </a:ext>
           </a:extLst>
         </p:spPr>
@@ -4882,6 +5094,7 @@
             <a:pPr>
               <a:defRPr sz="1700"/>
             </a:pPr>
+            <a:endParaRPr/>
           </a:p>
           <a:p>
             <a:pPr>
@@ -4920,7 +5133,7 @@
           </a:ln>
           <a:extLst>
             <a:ext uri="{C572A759-6A51-4108-AA02-DFA0A04FC94B}">
-              <ma14:wrappingTextBoxFlag xmlns:ma14="http://schemas.microsoft.com/office/mac/drawingml/2011/main" val="1"/>
+              <ma14:wrappingTextBoxFlag xmlns:ma14="http://schemas.microsoft.com/office/mac/drawingml/2011/main" xmlns="" val="1"/>
             </a:ext>
           </a:extLst>
         </p:spPr>
@@ -4974,7 +5187,7 @@
           </a:ln>
           <a:extLst>
             <a:ext uri="{C572A759-6A51-4108-AA02-DFA0A04FC94B}">
-              <ma14:wrappingTextBoxFlag xmlns:ma14="http://schemas.microsoft.com/office/mac/drawingml/2011/main" val="1"/>
+              <ma14:wrappingTextBoxFlag xmlns:ma14="http://schemas.microsoft.com/office/mac/drawingml/2011/main" xmlns="" val="1"/>
             </a:ext>
           </a:extLst>
         </p:spPr>
@@ -4988,7 +5201,6 @@
             </a:lvl1pPr>
           </a:lstStyle>
           <a:p>
-            <a:pPr/>
             <a:r>
               <a:t>onPress:ユーザーがボタンをタップしたときに呼び出されるハンドラ</a:t>
             </a:r>
@@ -5014,7 +5226,7 @@
           </a:ln>
           <a:extLst>
             <a:ext uri="{C572A759-6A51-4108-AA02-DFA0A04FC94B}">
-              <ma14:wrappingTextBoxFlag xmlns:ma14="http://schemas.microsoft.com/office/mac/drawingml/2011/main" val="1"/>
+              <ma14:wrappingTextBoxFlag xmlns:ma14="http://schemas.microsoft.com/office/mac/drawingml/2011/main" xmlns="" val="1"/>
             </a:ext>
           </a:extLst>
         </p:spPr>
@@ -5028,7 +5240,6 @@
             </a:lvl1pPr>
           </a:lstStyle>
           <a:p>
-            <a:pPr/>
             <a:r>
               <a:t>title:ボタンの内側に表示するテキスト</a:t>
             </a:r>
@@ -5054,7 +5265,7 @@
           </a:ln>
           <a:extLst>
             <a:ext uri="{C572A759-6A51-4108-AA02-DFA0A04FC94B}">
-              <ma14:wrappingTextBoxFlag xmlns:ma14="http://schemas.microsoft.com/office/mac/drawingml/2011/main" val="1"/>
+              <ma14:wrappingTextBoxFlag xmlns:ma14="http://schemas.microsoft.com/office/mac/drawingml/2011/main" xmlns="" val="1"/>
             </a:ext>
           </a:extLst>
         </p:spPr>
@@ -5068,7 +5279,6 @@
             </a:lvl1pPr>
           </a:lstStyle>
           <a:p>
-            <a:pPr/>
             <a:r>
               <a:t>color:テキストの色（iOS）、またはボタンの背景色（Android）</a:t>
             </a:r>
@@ -5094,7 +5304,7 @@
           </a:ln>
           <a:extLst>
             <a:ext uri="{C572A759-6A51-4108-AA02-DFA0A04FC94B}">
-              <ma14:wrappingTextBoxFlag xmlns:ma14="http://schemas.microsoft.com/office/mac/drawingml/2011/main" val="1"/>
+              <ma14:wrappingTextBoxFlag xmlns:ma14="http://schemas.microsoft.com/office/mac/drawingml/2011/main" xmlns="" val="1"/>
             </a:ext>
           </a:extLst>
         </p:spPr>
@@ -5108,7 +5318,6 @@
             </a:lvl1pPr>
           </a:lstStyle>
           <a:p>
-            <a:pPr/>
             <a:r>
               <a:t>accessibilityLabel:視覚障害者の方向けの音声読み上げ</a:t>
             </a:r>
@@ -5120,12 +5329,12 @@
   <p:clrMapOvr>
     <a:masterClrMapping/>
   </p:clrMapOvr>
-  <p:transition xmlns:p14="http://schemas.microsoft.com/office/powerpoint/2010/main" spd="med" advClick="1" p14:dur="1000"/>
+  <p:transition spd="slow"/>
 </p:sld>
 </file>
 
 <file path=ppt/theme/theme1.xml><?xml version="1.0" encoding="utf-8"?>
-<a:theme xmlns:a="http://schemas.openxmlformats.org/drawingml/2006/main" xmlns:r="http://schemas.openxmlformats.org/officeDocument/2006/relationships" name="Office テーマ">
+<a:theme xmlns:a="http://schemas.openxmlformats.org/drawingml/2006/main" name="Office テーマ">
   <a:themeElements>
     <a:clrScheme name="Office テーマ">
       <a:dk1>
@@ -5327,7 +5536,7 @@
         <a:effectLst/>
         <a:sp3d/>
       </a:spPr>
-      <a:bodyPr rot="0" spcFirstLastPara="1" vertOverflow="overflow" horzOverflow="overflow" vert="horz" wrap="square" lIns="45719" tIns="45719" rIns="45719" bIns="45719" numCol="1" spcCol="38100" rtlCol="0" anchor="ctr" upright="0">
+      <a:bodyPr rot="0" spcFirstLastPara="1" vertOverflow="overflow" horzOverflow="overflow" vert="horz" wrap="square" lIns="45719" tIns="45719" rIns="45719" bIns="45719" numCol="1" spcCol="38100" rtlCol="0" anchor="ctr">
         <a:spAutoFit/>
       </a:bodyPr>
       <a:lstStyle>
@@ -5346,7 +5555,7 @@
           <a:buFontTx/>
           <a:buNone/>
           <a:tabLst/>
-          <a:defRPr b="0" baseline="0" cap="none" i="0" spc="0" strike="noStrike" sz="1800" u="none" kumimoji="0" normalizeH="0">
+          <a:defRPr kumimoji="0" sz="1800" b="0" i="0" u="none" strike="noStrike" cap="none" spc="0" normalizeH="0" baseline="0">
             <a:ln>
               <a:noFill/>
             </a:ln>
@@ -5376,7 +5585,7 @@
           <a:buFontTx/>
           <a:buNone/>
           <a:tabLst/>
-          <a:defRPr b="0" baseline="0" cap="none" i="0" spc="0" strike="noStrike" sz="1800" u="none" kumimoji="0" normalizeH="0">
+          <a:defRPr kumimoji="0" sz="1800" b="0" i="0" u="none" strike="noStrike" cap="none" spc="0" normalizeH="0" baseline="0">
             <a:ln>
               <a:noFill/>
             </a:ln>
@@ -5402,7 +5611,7 @@
           <a:buFontTx/>
           <a:buNone/>
           <a:tabLst/>
-          <a:defRPr b="0" baseline="0" cap="none" i="0" spc="0" strike="noStrike" sz="1800" u="none" kumimoji="0" normalizeH="0">
+          <a:defRPr kumimoji="0" sz="1800" b="0" i="0" u="none" strike="noStrike" cap="none" spc="0" normalizeH="0" baseline="0">
             <a:ln>
               <a:noFill/>
             </a:ln>
@@ -5428,7 +5637,7 @@
           <a:buFontTx/>
           <a:buNone/>
           <a:tabLst/>
-          <a:defRPr b="0" baseline="0" cap="none" i="0" spc="0" strike="noStrike" sz="1800" u="none" kumimoji="0" normalizeH="0">
+          <a:defRPr kumimoji="0" sz="1800" b="0" i="0" u="none" strike="noStrike" cap="none" spc="0" normalizeH="0" baseline="0">
             <a:ln>
               <a:noFill/>
             </a:ln>
@@ -5454,7 +5663,7 @@
           <a:buFontTx/>
           <a:buNone/>
           <a:tabLst/>
-          <a:defRPr b="0" baseline="0" cap="none" i="0" spc="0" strike="noStrike" sz="1800" u="none" kumimoji="0" normalizeH="0">
+          <a:defRPr kumimoji="0" sz="1800" b="0" i="0" u="none" strike="noStrike" cap="none" spc="0" normalizeH="0" baseline="0">
             <a:ln>
               <a:noFill/>
             </a:ln>
@@ -5480,7 +5689,7 @@
           <a:buFontTx/>
           <a:buNone/>
           <a:tabLst/>
-          <a:defRPr b="0" baseline="0" cap="none" i="0" spc="0" strike="noStrike" sz="1800" u="none" kumimoji="0" normalizeH="0">
+          <a:defRPr kumimoji="0" sz="1800" b="0" i="0" u="none" strike="noStrike" cap="none" spc="0" normalizeH="0" baseline="0">
             <a:ln>
               <a:noFill/>
             </a:ln>
@@ -5506,7 +5715,7 @@
           <a:buFontTx/>
           <a:buNone/>
           <a:tabLst/>
-          <a:defRPr b="0" baseline="0" cap="none" i="0" spc="0" strike="noStrike" sz="1800" u="none" kumimoji="0" normalizeH="0">
+          <a:defRPr kumimoji="0" sz="1800" b="0" i="0" u="none" strike="noStrike" cap="none" spc="0" normalizeH="0" baseline="0">
             <a:ln>
               <a:noFill/>
             </a:ln>
@@ -5532,7 +5741,7 @@
           <a:buFontTx/>
           <a:buNone/>
           <a:tabLst/>
-          <a:defRPr b="0" baseline="0" cap="none" i="0" spc="0" strike="noStrike" sz="1800" u="none" kumimoji="0" normalizeH="0">
+          <a:defRPr kumimoji="0" sz="1800" b="0" i="0" u="none" strike="noStrike" cap="none" spc="0" normalizeH="0" baseline="0">
             <a:ln>
               <a:noFill/>
             </a:ln>
@@ -5558,7 +5767,7 @@
           <a:buFontTx/>
           <a:buNone/>
           <a:tabLst/>
-          <a:defRPr b="0" baseline="0" cap="none" i="0" spc="0" strike="noStrike" sz="1800" u="none" kumimoji="0" normalizeH="0">
+          <a:defRPr kumimoji="0" sz="1800" b="0" i="0" u="none" strike="noStrike" cap="none" spc="0" normalizeH="0" baseline="0">
             <a:ln>
               <a:noFill/>
             </a:ln>
@@ -5584,7 +5793,7 @@
           <a:buFontTx/>
           <a:buNone/>
           <a:tabLst/>
-          <a:defRPr b="0" baseline="0" cap="none" i="0" spc="0" strike="noStrike" sz="1800" u="none" kumimoji="0" normalizeH="0">
+          <a:defRPr kumimoji="0" sz="1800" b="0" i="0" u="none" strike="noStrike" cap="none" spc="0" normalizeH="0" baseline="0">
             <a:ln>
               <a:noFill/>
             </a:ln>
@@ -5597,9 +5806,15 @@
         </a:lvl9pPr>
       </a:lstStyle>
       <a:style>
-        <a:lnRef idx="0"/>
-        <a:fillRef idx="0"/>
-        <a:effectRef idx="0"/>
+        <a:lnRef idx="0">
+          <a:scrgbClr r="0" g="0" b="0"/>
+        </a:lnRef>
+        <a:fillRef idx="0">
+          <a:scrgbClr r="0" g="0" b="0"/>
+        </a:fillRef>
+        <a:effectRef idx="0">
+          <a:scrgbClr r="0" g="0" b="0"/>
+        </a:effectRef>
         <a:fontRef idx="none"/>
       </a:style>
     </a:spDef>
@@ -5616,7 +5831,7 @@
         <a:effectLst/>
         <a:sp3d/>
       </a:spPr>
-      <a:bodyPr rot="0" spcFirstLastPara="1" vertOverflow="overflow" horzOverflow="overflow" vert="horz" wrap="square" lIns="91439" tIns="45719" rIns="91439" bIns="45719" numCol="1" spcCol="38100" rtlCol="0" anchor="t" upright="0">
+      <a:bodyPr rot="0" spcFirstLastPara="1" vertOverflow="overflow" horzOverflow="overflow" vert="horz" wrap="square" lIns="91439" tIns="45719" rIns="91439" bIns="45719" numCol="1" spcCol="38100" rtlCol="0" anchor="t">
         <a:noAutofit/>
       </a:bodyPr>
       <a:lstStyle>
@@ -5635,7 +5850,7 @@
           <a:buFontTx/>
           <a:buNone/>
           <a:tabLst/>
-          <a:defRPr b="0" baseline="0" cap="none" i="0" spc="0" strike="noStrike" sz="1800" u="none" kumimoji="0" normalizeH="0">
+          <a:defRPr kumimoji="0" sz="1800" b="0" i="0" u="none" strike="noStrike" cap="none" spc="0" normalizeH="0" baseline="0">
             <a:ln>
               <a:noFill/>
             </a:ln>
@@ -5661,7 +5876,7 @@
           <a:buFontTx/>
           <a:buNone/>
           <a:tabLst/>
-          <a:defRPr b="0" baseline="0" cap="none" i="0" spc="0" strike="noStrike" sz="1800" u="none" kumimoji="0" normalizeH="0">
+          <a:defRPr kumimoji="0" sz="1800" b="0" i="0" u="none" strike="noStrike" cap="none" spc="0" normalizeH="0" baseline="0">
             <a:ln>
               <a:noFill/>
             </a:ln>
@@ -5687,7 +5902,7 @@
           <a:buFontTx/>
           <a:buNone/>
           <a:tabLst/>
-          <a:defRPr b="0" baseline="0" cap="none" i="0" spc="0" strike="noStrike" sz="1800" u="none" kumimoji="0" normalizeH="0">
+          <a:defRPr kumimoji="0" sz="1800" b="0" i="0" u="none" strike="noStrike" cap="none" spc="0" normalizeH="0" baseline="0">
             <a:ln>
               <a:noFill/>
             </a:ln>
@@ -5713,7 +5928,7 @@
           <a:buFontTx/>
           <a:buNone/>
           <a:tabLst/>
-          <a:defRPr b="0" baseline="0" cap="none" i="0" spc="0" strike="noStrike" sz="1800" u="none" kumimoji="0" normalizeH="0">
+          <a:defRPr kumimoji="0" sz="1800" b="0" i="0" u="none" strike="noStrike" cap="none" spc="0" normalizeH="0" baseline="0">
             <a:ln>
               <a:noFill/>
             </a:ln>
@@ -5739,7 +5954,7 @@
           <a:buFontTx/>
           <a:buNone/>
           <a:tabLst/>
-          <a:defRPr b="0" baseline="0" cap="none" i="0" spc="0" strike="noStrike" sz="1800" u="none" kumimoji="0" normalizeH="0">
+          <a:defRPr kumimoji="0" sz="1800" b="0" i="0" u="none" strike="noStrike" cap="none" spc="0" normalizeH="0" baseline="0">
             <a:ln>
               <a:noFill/>
             </a:ln>
@@ -5765,7 +5980,7 @@
           <a:buFontTx/>
           <a:buNone/>
           <a:tabLst/>
-          <a:defRPr b="0" baseline="0" cap="none" i="0" spc="0" strike="noStrike" sz="1800" u="none" kumimoji="0" normalizeH="0">
+          <a:defRPr kumimoji="0" sz="1800" b="0" i="0" u="none" strike="noStrike" cap="none" spc="0" normalizeH="0" baseline="0">
             <a:ln>
               <a:noFill/>
             </a:ln>
@@ -5791,7 +6006,7 @@
           <a:buFontTx/>
           <a:buNone/>
           <a:tabLst/>
-          <a:defRPr b="0" baseline="0" cap="none" i="0" spc="0" strike="noStrike" sz="1800" u="none" kumimoji="0" normalizeH="0">
+          <a:defRPr kumimoji="0" sz="1800" b="0" i="0" u="none" strike="noStrike" cap="none" spc="0" normalizeH="0" baseline="0">
             <a:ln>
               <a:noFill/>
             </a:ln>
@@ -5817,7 +6032,7 @@
           <a:buFontTx/>
           <a:buNone/>
           <a:tabLst/>
-          <a:defRPr b="0" baseline="0" cap="none" i="0" spc="0" strike="noStrike" sz="1800" u="none" kumimoji="0" normalizeH="0">
+          <a:defRPr kumimoji="0" sz="1800" b="0" i="0" u="none" strike="noStrike" cap="none" spc="0" normalizeH="0" baseline="0">
             <a:ln>
               <a:noFill/>
             </a:ln>
@@ -5843,7 +6058,7 @@
           <a:buFontTx/>
           <a:buNone/>
           <a:tabLst/>
-          <a:defRPr b="0" baseline="0" cap="none" i="0" spc="0" strike="noStrike" sz="1800" u="none" kumimoji="0" normalizeH="0">
+          <a:defRPr kumimoji="0" sz="1800" b="0" i="0" u="none" strike="noStrike" cap="none" spc="0" normalizeH="0" baseline="0">
             <a:ln>
               <a:noFill/>
             </a:ln>
@@ -5869,7 +6084,7 @@
           <a:buFontTx/>
           <a:buNone/>
           <a:tabLst/>
-          <a:defRPr b="0" baseline="0" cap="none" i="0" spc="0" strike="noStrike" sz="1800" u="none" kumimoji="0" normalizeH="0">
+          <a:defRPr kumimoji="0" sz="1800" b="0" i="0" u="none" strike="noStrike" cap="none" spc="0" normalizeH="0" baseline="0">
             <a:ln>
               <a:noFill/>
             </a:ln>
@@ -5882,9 +6097,15 @@
         </a:lvl9pPr>
       </a:lstStyle>
       <a:style>
-        <a:lnRef idx="0"/>
-        <a:fillRef idx="0"/>
-        <a:effectRef idx="0"/>
+        <a:lnRef idx="0">
+          <a:scrgbClr r="0" g="0" b="0"/>
+        </a:lnRef>
+        <a:fillRef idx="0">
+          <a:scrgbClr r="0" g="0" b="0"/>
+        </a:fillRef>
+        <a:effectRef idx="0">
+          <a:scrgbClr r="0" g="0" b="0"/>
+        </a:effectRef>
         <a:fontRef idx="none"/>
       </a:style>
     </a:lnDef>
@@ -5898,7 +6119,7 @@
         <a:effectLst/>
         <a:sp3d/>
       </a:spPr>
-      <a:bodyPr rot="0" spcFirstLastPara="1" vertOverflow="overflow" horzOverflow="overflow" vert="horz" wrap="square" lIns="45719" tIns="45719" rIns="45719" bIns="45719" numCol="1" spcCol="38100" rtlCol="0" anchor="t" upright="0">
+      <a:bodyPr rot="0" spcFirstLastPara="1" vertOverflow="overflow" horzOverflow="overflow" vert="horz" wrap="square" lIns="45719" tIns="45719" rIns="45719" bIns="45719" numCol="1" spcCol="38100" rtlCol="0" anchor="t">
         <a:spAutoFit/>
       </a:bodyPr>
       <a:lstStyle>
@@ -5917,7 +6138,7 @@
           <a:buFontTx/>
           <a:buNone/>
           <a:tabLst/>
-          <a:defRPr b="0" baseline="0" cap="none" i="0" spc="0" strike="noStrike" sz="1800" u="none" kumimoji="0" normalizeH="0">
+          <a:defRPr kumimoji="0" sz="1800" b="0" i="0" u="none" strike="noStrike" cap="none" spc="0" normalizeH="0" baseline="0">
             <a:ln>
               <a:noFill/>
             </a:ln>
@@ -5947,7 +6168,7 @@
           <a:buFontTx/>
           <a:buNone/>
           <a:tabLst/>
-          <a:defRPr b="0" baseline="0" cap="none" i="0" spc="0" strike="noStrike" sz="1800" u="none" kumimoji="0" normalizeH="0">
+          <a:defRPr kumimoji="0" sz="1800" b="0" i="0" u="none" strike="noStrike" cap="none" spc="0" normalizeH="0" baseline="0">
             <a:ln>
               <a:noFill/>
             </a:ln>
@@ -5973,7 +6194,7 @@
           <a:buFontTx/>
           <a:buNone/>
           <a:tabLst/>
-          <a:defRPr b="0" baseline="0" cap="none" i="0" spc="0" strike="noStrike" sz="1800" u="none" kumimoji="0" normalizeH="0">
+          <a:defRPr kumimoji="0" sz="1800" b="0" i="0" u="none" strike="noStrike" cap="none" spc="0" normalizeH="0" baseline="0">
             <a:ln>
               <a:noFill/>
             </a:ln>
@@ -5999,7 +6220,7 @@
           <a:buFontTx/>
           <a:buNone/>
           <a:tabLst/>
-          <a:defRPr b="0" baseline="0" cap="none" i="0" spc="0" strike="noStrike" sz="1800" u="none" kumimoji="0" normalizeH="0">
+          <a:defRPr kumimoji="0" sz="1800" b="0" i="0" u="none" strike="noStrike" cap="none" spc="0" normalizeH="0" baseline="0">
             <a:ln>
               <a:noFill/>
             </a:ln>
@@ -6025,7 +6246,7 @@
           <a:buFontTx/>
           <a:buNone/>
           <a:tabLst/>
-          <a:defRPr b="0" baseline="0" cap="none" i="0" spc="0" strike="noStrike" sz="1800" u="none" kumimoji="0" normalizeH="0">
+          <a:defRPr kumimoji="0" sz="1800" b="0" i="0" u="none" strike="noStrike" cap="none" spc="0" normalizeH="0" baseline="0">
             <a:ln>
               <a:noFill/>
             </a:ln>
@@ -6051,7 +6272,7 @@
           <a:buFontTx/>
           <a:buNone/>
           <a:tabLst/>
-          <a:defRPr b="0" baseline="0" cap="none" i="0" spc="0" strike="noStrike" sz="1800" u="none" kumimoji="0" normalizeH="0">
+          <a:defRPr kumimoji="0" sz="1800" b="0" i="0" u="none" strike="noStrike" cap="none" spc="0" normalizeH="0" baseline="0">
             <a:ln>
               <a:noFill/>
             </a:ln>
@@ -6077,7 +6298,7 @@
           <a:buFontTx/>
           <a:buNone/>
           <a:tabLst/>
-          <a:defRPr b="0" baseline="0" cap="none" i="0" spc="0" strike="noStrike" sz="1800" u="none" kumimoji="0" normalizeH="0">
+          <a:defRPr kumimoji="0" sz="1800" b="0" i="0" u="none" strike="noStrike" cap="none" spc="0" normalizeH="0" baseline="0">
             <a:ln>
               <a:noFill/>
             </a:ln>
@@ -6103,7 +6324,7 @@
           <a:buFontTx/>
           <a:buNone/>
           <a:tabLst/>
-          <a:defRPr b="0" baseline="0" cap="none" i="0" spc="0" strike="noStrike" sz="1800" u="none" kumimoji="0" normalizeH="0">
+          <a:defRPr kumimoji="0" sz="1800" b="0" i="0" u="none" strike="noStrike" cap="none" spc="0" normalizeH="0" baseline="0">
             <a:ln>
               <a:noFill/>
             </a:ln>
@@ -6129,7 +6350,7 @@
           <a:buFontTx/>
           <a:buNone/>
           <a:tabLst/>
-          <a:defRPr b="0" baseline="0" cap="none" i="0" spc="0" strike="noStrike" sz="1800" u="none" kumimoji="0" normalizeH="0">
+          <a:defRPr kumimoji="0" sz="1800" b="0" i="0" u="none" strike="noStrike" cap="none" spc="0" normalizeH="0" baseline="0">
             <a:ln>
               <a:noFill/>
             </a:ln>
@@ -6155,7 +6376,7 @@
           <a:buFontTx/>
           <a:buNone/>
           <a:tabLst/>
-          <a:defRPr b="0" baseline="0" cap="none" i="0" spc="0" strike="noStrike" sz="1800" u="none" kumimoji="0" normalizeH="0">
+          <a:defRPr kumimoji="0" sz="1800" b="0" i="0" u="none" strike="noStrike" cap="none" spc="0" normalizeH="0" baseline="0">
             <a:ln>
               <a:noFill/>
             </a:ln>
@@ -6168,18 +6389,25 @@
         </a:lvl9pPr>
       </a:lstStyle>
       <a:style>
-        <a:lnRef idx="0"/>
-        <a:fillRef idx="0"/>
-        <a:effectRef idx="0"/>
+        <a:lnRef idx="0">
+          <a:scrgbClr r="0" g="0" b="0"/>
+        </a:lnRef>
+        <a:fillRef idx="0">
+          <a:scrgbClr r="0" g="0" b="0"/>
+        </a:fillRef>
+        <a:effectRef idx="0">
+          <a:scrgbClr r="0" g="0" b="0"/>
+        </a:effectRef>
         <a:fontRef idx="none"/>
       </a:style>
     </a:txDef>
   </a:objectDefaults>
+  <a:extraClrSchemeLst/>
 </a:theme>
 </file>
 
 <file path=ppt/theme/theme2.xml><?xml version="1.0" encoding="utf-8"?>
-<a:theme xmlns:a="http://schemas.openxmlformats.org/drawingml/2006/main" xmlns:r="http://schemas.openxmlformats.org/officeDocument/2006/relationships" name="Office テーマ">
+<a:theme xmlns:a="http://schemas.openxmlformats.org/drawingml/2006/main" name="Office テーマ">
   <a:themeElements>
     <a:clrScheme name="Office テーマ">
       <a:dk1>
@@ -6381,7 +6609,7 @@
         <a:effectLst/>
         <a:sp3d/>
       </a:spPr>
-      <a:bodyPr rot="0" spcFirstLastPara="1" vertOverflow="overflow" horzOverflow="overflow" vert="horz" wrap="square" lIns="45719" tIns="45719" rIns="45719" bIns="45719" numCol="1" spcCol="38100" rtlCol="0" anchor="ctr" upright="0">
+      <a:bodyPr rot="0" spcFirstLastPara="1" vertOverflow="overflow" horzOverflow="overflow" vert="horz" wrap="square" lIns="45719" tIns="45719" rIns="45719" bIns="45719" numCol="1" spcCol="38100" rtlCol="0" anchor="ctr">
         <a:spAutoFit/>
       </a:bodyPr>
       <a:lstStyle>
@@ -6400,7 +6628,7 @@
           <a:buFontTx/>
           <a:buNone/>
           <a:tabLst/>
-          <a:defRPr b="0" baseline="0" cap="none" i="0" spc="0" strike="noStrike" sz="1800" u="none" kumimoji="0" normalizeH="0">
+          <a:defRPr kumimoji="0" sz="1800" b="0" i="0" u="none" strike="noStrike" cap="none" spc="0" normalizeH="0" baseline="0">
             <a:ln>
               <a:noFill/>
             </a:ln>
@@ -6430,7 +6658,7 @@
           <a:buFontTx/>
           <a:buNone/>
           <a:tabLst/>
-          <a:defRPr b="0" baseline="0" cap="none" i="0" spc="0" strike="noStrike" sz="1800" u="none" kumimoji="0" normalizeH="0">
+          <a:defRPr kumimoji="0" sz="1800" b="0" i="0" u="none" strike="noStrike" cap="none" spc="0" normalizeH="0" baseline="0">
             <a:ln>
               <a:noFill/>
             </a:ln>
@@ -6456,7 +6684,7 @@
           <a:buFontTx/>
           <a:buNone/>
           <a:tabLst/>
-          <a:defRPr b="0" baseline="0" cap="none" i="0" spc="0" strike="noStrike" sz="1800" u="none" kumimoji="0" normalizeH="0">
+          <a:defRPr kumimoji="0" sz="1800" b="0" i="0" u="none" strike="noStrike" cap="none" spc="0" normalizeH="0" baseline="0">
             <a:ln>
               <a:noFill/>
             </a:ln>
@@ -6482,7 +6710,7 @@
           <a:buFontTx/>
           <a:buNone/>
           <a:tabLst/>
-          <a:defRPr b="0" baseline="0" cap="none" i="0" spc="0" strike="noStrike" sz="1800" u="none" kumimoji="0" normalizeH="0">
+          <a:defRPr kumimoji="0" sz="1800" b="0" i="0" u="none" strike="noStrike" cap="none" spc="0" normalizeH="0" baseline="0">
             <a:ln>
               <a:noFill/>
             </a:ln>
@@ -6508,7 +6736,7 @@
           <a:buFontTx/>
           <a:buNone/>
           <a:tabLst/>
-          <a:defRPr b="0" baseline="0" cap="none" i="0" spc="0" strike="noStrike" sz="1800" u="none" kumimoji="0" normalizeH="0">
+          <a:defRPr kumimoji="0" sz="1800" b="0" i="0" u="none" strike="noStrike" cap="none" spc="0" normalizeH="0" baseline="0">
             <a:ln>
               <a:noFill/>
             </a:ln>
@@ -6534,7 +6762,7 @@
           <a:buFontTx/>
           <a:buNone/>
           <a:tabLst/>
-          <a:defRPr b="0" baseline="0" cap="none" i="0" spc="0" strike="noStrike" sz="1800" u="none" kumimoji="0" normalizeH="0">
+          <a:defRPr kumimoji="0" sz="1800" b="0" i="0" u="none" strike="noStrike" cap="none" spc="0" normalizeH="0" baseline="0">
             <a:ln>
               <a:noFill/>
             </a:ln>
@@ -6560,7 +6788,7 @@
           <a:buFontTx/>
           <a:buNone/>
           <a:tabLst/>
-          <a:defRPr b="0" baseline="0" cap="none" i="0" spc="0" strike="noStrike" sz="1800" u="none" kumimoji="0" normalizeH="0">
+          <a:defRPr kumimoji="0" sz="1800" b="0" i="0" u="none" strike="noStrike" cap="none" spc="0" normalizeH="0" baseline="0">
             <a:ln>
               <a:noFill/>
             </a:ln>
@@ -6586,7 +6814,7 @@
           <a:buFontTx/>
           <a:buNone/>
           <a:tabLst/>
-          <a:defRPr b="0" baseline="0" cap="none" i="0" spc="0" strike="noStrike" sz="1800" u="none" kumimoji="0" normalizeH="0">
+          <a:defRPr kumimoji="0" sz="1800" b="0" i="0" u="none" strike="noStrike" cap="none" spc="0" normalizeH="0" baseline="0">
             <a:ln>
               <a:noFill/>
             </a:ln>
@@ -6612,7 +6840,7 @@
           <a:buFontTx/>
           <a:buNone/>
           <a:tabLst/>
-          <a:defRPr b="0" baseline="0" cap="none" i="0" spc="0" strike="noStrike" sz="1800" u="none" kumimoji="0" normalizeH="0">
+          <a:defRPr kumimoji="0" sz="1800" b="0" i="0" u="none" strike="noStrike" cap="none" spc="0" normalizeH="0" baseline="0">
             <a:ln>
               <a:noFill/>
             </a:ln>
@@ -6638,7 +6866,7 @@
           <a:buFontTx/>
           <a:buNone/>
           <a:tabLst/>
-          <a:defRPr b="0" baseline="0" cap="none" i="0" spc="0" strike="noStrike" sz="1800" u="none" kumimoji="0" normalizeH="0">
+          <a:defRPr kumimoji="0" sz="1800" b="0" i="0" u="none" strike="noStrike" cap="none" spc="0" normalizeH="0" baseline="0">
             <a:ln>
               <a:noFill/>
             </a:ln>
@@ -6651,9 +6879,15 @@
         </a:lvl9pPr>
       </a:lstStyle>
       <a:style>
-        <a:lnRef idx="0"/>
-        <a:fillRef idx="0"/>
-        <a:effectRef idx="0"/>
+        <a:lnRef idx="0">
+          <a:scrgbClr r="0" g="0" b="0"/>
+        </a:lnRef>
+        <a:fillRef idx="0">
+          <a:scrgbClr r="0" g="0" b="0"/>
+        </a:fillRef>
+        <a:effectRef idx="0">
+          <a:scrgbClr r="0" g="0" b="0"/>
+        </a:effectRef>
         <a:fontRef idx="none"/>
       </a:style>
     </a:spDef>
@@ -6670,7 +6904,7 @@
         <a:effectLst/>
         <a:sp3d/>
       </a:spPr>
-      <a:bodyPr rot="0" spcFirstLastPara="1" vertOverflow="overflow" horzOverflow="overflow" vert="horz" wrap="square" lIns="91439" tIns="45719" rIns="91439" bIns="45719" numCol="1" spcCol="38100" rtlCol="0" anchor="t" upright="0">
+      <a:bodyPr rot="0" spcFirstLastPara="1" vertOverflow="overflow" horzOverflow="overflow" vert="horz" wrap="square" lIns="91439" tIns="45719" rIns="91439" bIns="45719" numCol="1" spcCol="38100" rtlCol="0" anchor="t">
         <a:noAutofit/>
       </a:bodyPr>
       <a:lstStyle>
@@ -6689,7 +6923,7 @@
           <a:buFontTx/>
           <a:buNone/>
           <a:tabLst/>
-          <a:defRPr b="0" baseline="0" cap="none" i="0" spc="0" strike="noStrike" sz="1800" u="none" kumimoji="0" normalizeH="0">
+          <a:defRPr kumimoji="0" sz="1800" b="0" i="0" u="none" strike="noStrike" cap="none" spc="0" normalizeH="0" baseline="0">
             <a:ln>
               <a:noFill/>
             </a:ln>
@@ -6715,7 +6949,7 @@
           <a:buFontTx/>
           <a:buNone/>
           <a:tabLst/>
-          <a:defRPr b="0" baseline="0" cap="none" i="0" spc="0" strike="noStrike" sz="1800" u="none" kumimoji="0" normalizeH="0">
+          <a:defRPr kumimoji="0" sz="1800" b="0" i="0" u="none" strike="noStrike" cap="none" spc="0" normalizeH="0" baseline="0">
             <a:ln>
               <a:noFill/>
             </a:ln>
@@ -6741,7 +6975,7 @@
           <a:buFontTx/>
           <a:buNone/>
           <a:tabLst/>
-          <a:defRPr b="0" baseline="0" cap="none" i="0" spc="0" strike="noStrike" sz="1800" u="none" kumimoji="0" normalizeH="0">
+          <a:defRPr kumimoji="0" sz="1800" b="0" i="0" u="none" strike="noStrike" cap="none" spc="0" normalizeH="0" baseline="0">
             <a:ln>
               <a:noFill/>
             </a:ln>
@@ -6767,7 +7001,7 @@
           <a:buFontTx/>
           <a:buNone/>
           <a:tabLst/>
-          <a:defRPr b="0" baseline="0" cap="none" i="0" spc="0" strike="noStrike" sz="1800" u="none" kumimoji="0" normalizeH="0">
+          <a:defRPr kumimoji="0" sz="1800" b="0" i="0" u="none" strike="noStrike" cap="none" spc="0" normalizeH="0" baseline="0">
             <a:ln>
               <a:noFill/>
             </a:ln>
@@ -6793,7 +7027,7 @@
           <a:buFontTx/>
           <a:buNone/>
           <a:tabLst/>
-          <a:defRPr b="0" baseline="0" cap="none" i="0" spc="0" strike="noStrike" sz="1800" u="none" kumimoji="0" normalizeH="0">
+          <a:defRPr kumimoji="0" sz="1800" b="0" i="0" u="none" strike="noStrike" cap="none" spc="0" normalizeH="0" baseline="0">
             <a:ln>
               <a:noFill/>
             </a:ln>
@@ -6819,7 +7053,7 @@
           <a:buFontTx/>
           <a:buNone/>
           <a:tabLst/>
-          <a:defRPr b="0" baseline="0" cap="none" i="0" spc="0" strike="noStrike" sz="1800" u="none" kumimoji="0" normalizeH="0">
+          <a:defRPr kumimoji="0" sz="1800" b="0" i="0" u="none" strike="noStrike" cap="none" spc="0" normalizeH="0" baseline="0">
             <a:ln>
               <a:noFill/>
             </a:ln>
@@ -6845,7 +7079,7 @@
           <a:buFontTx/>
           <a:buNone/>
           <a:tabLst/>
-          <a:defRPr b="0" baseline="0" cap="none" i="0" spc="0" strike="noStrike" sz="1800" u="none" kumimoji="0" normalizeH="0">
+          <a:defRPr kumimoji="0" sz="1800" b="0" i="0" u="none" strike="noStrike" cap="none" spc="0" normalizeH="0" baseline="0">
             <a:ln>
               <a:noFill/>
             </a:ln>
@@ -6871,7 +7105,7 @@
           <a:buFontTx/>
           <a:buNone/>
           <a:tabLst/>
-          <a:defRPr b="0" baseline="0" cap="none" i="0" spc="0" strike="noStrike" sz="1800" u="none" kumimoji="0" normalizeH="0">
+          <a:defRPr kumimoji="0" sz="1800" b="0" i="0" u="none" strike="noStrike" cap="none" spc="0" normalizeH="0" baseline="0">
             <a:ln>
               <a:noFill/>
             </a:ln>
@@ -6897,7 +7131,7 @@
           <a:buFontTx/>
           <a:buNone/>
           <a:tabLst/>
-          <a:defRPr b="0" baseline="0" cap="none" i="0" spc="0" strike="noStrike" sz="1800" u="none" kumimoji="0" normalizeH="0">
+          <a:defRPr kumimoji="0" sz="1800" b="0" i="0" u="none" strike="noStrike" cap="none" spc="0" normalizeH="0" baseline="0">
             <a:ln>
               <a:noFill/>
             </a:ln>
@@ -6923,7 +7157,7 @@
           <a:buFontTx/>
           <a:buNone/>
           <a:tabLst/>
-          <a:defRPr b="0" baseline="0" cap="none" i="0" spc="0" strike="noStrike" sz="1800" u="none" kumimoji="0" normalizeH="0">
+          <a:defRPr kumimoji="0" sz="1800" b="0" i="0" u="none" strike="noStrike" cap="none" spc="0" normalizeH="0" baseline="0">
             <a:ln>
               <a:noFill/>
             </a:ln>
@@ -6936,9 +7170,15 @@
         </a:lvl9pPr>
       </a:lstStyle>
       <a:style>
-        <a:lnRef idx="0"/>
-        <a:fillRef idx="0"/>
-        <a:effectRef idx="0"/>
+        <a:lnRef idx="0">
+          <a:scrgbClr r="0" g="0" b="0"/>
+        </a:lnRef>
+        <a:fillRef idx="0">
+          <a:scrgbClr r="0" g="0" b="0"/>
+        </a:fillRef>
+        <a:effectRef idx="0">
+          <a:scrgbClr r="0" g="0" b="0"/>
+        </a:effectRef>
         <a:fontRef idx="none"/>
       </a:style>
     </a:lnDef>
@@ -6952,7 +7192,7 @@
         <a:effectLst/>
         <a:sp3d/>
       </a:spPr>
-      <a:bodyPr rot="0" spcFirstLastPara="1" vertOverflow="overflow" horzOverflow="overflow" vert="horz" wrap="square" lIns="45719" tIns="45719" rIns="45719" bIns="45719" numCol="1" spcCol="38100" rtlCol="0" anchor="t" upright="0">
+      <a:bodyPr rot="0" spcFirstLastPara="1" vertOverflow="overflow" horzOverflow="overflow" vert="horz" wrap="square" lIns="45719" tIns="45719" rIns="45719" bIns="45719" numCol="1" spcCol="38100" rtlCol="0" anchor="t">
         <a:spAutoFit/>
       </a:bodyPr>
       <a:lstStyle>
@@ -6971,7 +7211,7 @@
           <a:buFontTx/>
           <a:buNone/>
           <a:tabLst/>
-          <a:defRPr b="0" baseline="0" cap="none" i="0" spc="0" strike="noStrike" sz="1800" u="none" kumimoji="0" normalizeH="0">
+          <a:defRPr kumimoji="0" sz="1800" b="0" i="0" u="none" strike="noStrike" cap="none" spc="0" normalizeH="0" baseline="0">
             <a:ln>
               <a:noFill/>
             </a:ln>
@@ -7001,7 +7241,7 @@
           <a:buFontTx/>
           <a:buNone/>
           <a:tabLst/>
-          <a:defRPr b="0" baseline="0" cap="none" i="0" spc="0" strike="noStrike" sz="1800" u="none" kumimoji="0" normalizeH="0">
+          <a:defRPr kumimoji="0" sz="1800" b="0" i="0" u="none" strike="noStrike" cap="none" spc="0" normalizeH="0" baseline="0">
             <a:ln>
               <a:noFill/>
             </a:ln>
@@ -7027,7 +7267,7 @@
           <a:buFontTx/>
           <a:buNone/>
           <a:tabLst/>
-          <a:defRPr b="0" baseline="0" cap="none" i="0" spc="0" strike="noStrike" sz="1800" u="none" kumimoji="0" normalizeH="0">
+          <a:defRPr kumimoji="0" sz="1800" b="0" i="0" u="none" strike="noStrike" cap="none" spc="0" normalizeH="0" baseline="0">
             <a:ln>
               <a:noFill/>
             </a:ln>
@@ -7053,7 +7293,7 @@
           <a:buFontTx/>
           <a:buNone/>
           <a:tabLst/>
-          <a:defRPr b="0" baseline="0" cap="none" i="0" spc="0" strike="noStrike" sz="1800" u="none" kumimoji="0" normalizeH="0">
+          <a:defRPr kumimoji="0" sz="1800" b="0" i="0" u="none" strike="noStrike" cap="none" spc="0" normalizeH="0" baseline="0">
             <a:ln>
               <a:noFill/>
             </a:ln>
@@ -7079,7 +7319,7 @@
           <a:buFontTx/>
           <a:buNone/>
           <a:tabLst/>
-          <a:defRPr b="0" baseline="0" cap="none" i="0" spc="0" strike="noStrike" sz="1800" u="none" kumimoji="0" normalizeH="0">
+          <a:defRPr kumimoji="0" sz="1800" b="0" i="0" u="none" strike="noStrike" cap="none" spc="0" normalizeH="0" baseline="0">
             <a:ln>
               <a:noFill/>
             </a:ln>
@@ -7105,7 +7345,7 @@
           <a:buFontTx/>
           <a:buNone/>
           <a:tabLst/>
-          <a:defRPr b="0" baseline="0" cap="none" i="0" spc="0" strike="noStrike" sz="1800" u="none" kumimoji="0" normalizeH="0">
+          <a:defRPr kumimoji="0" sz="1800" b="0" i="0" u="none" strike="noStrike" cap="none" spc="0" normalizeH="0" baseline="0">
             <a:ln>
               <a:noFill/>
             </a:ln>
@@ -7131,7 +7371,7 @@
           <a:buFontTx/>
           <a:buNone/>
           <a:tabLst/>
-          <a:defRPr b="0" baseline="0" cap="none" i="0" spc="0" strike="noStrike" sz="1800" u="none" kumimoji="0" normalizeH="0">
+          <a:defRPr kumimoji="0" sz="1800" b="0" i="0" u="none" strike="noStrike" cap="none" spc="0" normalizeH="0" baseline="0">
             <a:ln>
               <a:noFill/>
             </a:ln>
@@ -7157,7 +7397,7 @@
           <a:buFontTx/>
           <a:buNone/>
           <a:tabLst/>
-          <a:defRPr b="0" baseline="0" cap="none" i="0" spc="0" strike="noStrike" sz="1800" u="none" kumimoji="0" normalizeH="0">
+          <a:defRPr kumimoji="0" sz="1800" b="0" i="0" u="none" strike="noStrike" cap="none" spc="0" normalizeH="0" baseline="0">
             <a:ln>
               <a:noFill/>
             </a:ln>
@@ -7183,7 +7423,7 @@
           <a:buFontTx/>
           <a:buNone/>
           <a:tabLst/>
-          <a:defRPr b="0" baseline="0" cap="none" i="0" spc="0" strike="noStrike" sz="1800" u="none" kumimoji="0" normalizeH="0">
+          <a:defRPr kumimoji="0" sz="1800" b="0" i="0" u="none" strike="noStrike" cap="none" spc="0" normalizeH="0" baseline="0">
             <a:ln>
               <a:noFill/>
             </a:ln>
@@ -7209,7 +7449,7 @@
           <a:buFontTx/>
           <a:buNone/>
           <a:tabLst/>
-          <a:defRPr b="0" baseline="0" cap="none" i="0" spc="0" strike="noStrike" sz="1800" u="none" kumimoji="0" normalizeH="0">
+          <a:defRPr kumimoji="0" sz="1800" b="0" i="0" u="none" strike="noStrike" cap="none" spc="0" normalizeH="0" baseline="0">
             <a:ln>
               <a:noFill/>
             </a:ln>
@@ -7222,12 +7462,19 @@
         </a:lvl9pPr>
       </a:lstStyle>
       <a:style>
-        <a:lnRef idx="0"/>
-        <a:fillRef idx="0"/>
-        <a:effectRef idx="0"/>
+        <a:lnRef idx="0">
+          <a:scrgbClr r="0" g="0" b="0"/>
+        </a:lnRef>
+        <a:fillRef idx="0">
+          <a:scrgbClr r="0" g="0" b="0"/>
+        </a:fillRef>
+        <a:effectRef idx="0">
+          <a:scrgbClr r="0" g="0" b="0"/>
+        </a:effectRef>
         <a:fontRef idx="none"/>
       </a:style>
     </a:txDef>
   </a:objectDefaults>
+  <a:extraClrSchemeLst/>
 </a:theme>
 </file>